--- a/Task-2/TIES4560 Task 2.pptx
+++ b/Task-2/TIES4560 Task 2.pptx
@@ -5,15 +5,16 @@
     <p:sldMasterId id="2147483708" r:id="rId1"/>
   </p:sldMasterIdLst>
   <p:notesMasterIdLst>
-    <p:notesMasterId r:id="rId5"/>
+    <p:notesMasterId r:id="rId6"/>
   </p:notesMasterIdLst>
   <p:handoutMasterIdLst>
-    <p:handoutMasterId r:id="rId6"/>
+    <p:handoutMasterId r:id="rId7"/>
   </p:handoutMasterIdLst>
   <p:sldIdLst>
     <p:sldId id="257" r:id="rId2"/>
     <p:sldId id="259" r:id="rId3"/>
     <p:sldId id="258" r:id="rId4"/>
+    <p:sldId id="260" r:id="rId5"/>
   </p:sldIdLst>
   <p:sldSz cx="12192000" cy="6858000"/>
   <p:notesSz cx="6858000" cy="9144000"/>
@@ -5067,7 +5068,7 @@
               <a:buNone/>
             </a:pPr>
             <a:r>
-              <a:rPr lang="fi-FI"/>
+              <a:rPr lang="fi-FI" dirty="0"/>
               <a:t> Project </a:t>
             </a:r>
             <a:r>
@@ -5127,184 +5128,183 @@
               <a:rPr lang="fi-FI" dirty="0"/>
               <a:t> </a:t>
             </a:r>
-            <a:r>
-              <a:rPr lang="fi-FI" dirty="0" err="1"/>
-              <a:t>Application’s</a:t>
-            </a:r>
-            <a:r>
-              <a:rPr lang="fi-FI" dirty="0"/>
-              <a:t> </a:t>
-            </a:r>
-            <a:r>
-              <a:rPr lang="fi-FI" dirty="0" err="1"/>
-              <a:t>functionality</a:t>
-            </a:r>
-            <a:endParaRPr lang="fi-FI" dirty="0"/>
-          </a:p>
-          <a:p>
-            <a:pPr lvl="1"/>
-            <a:r>
-              <a:rPr lang="fi-FI" dirty="0" err="1"/>
-              <a:t>Fetches</a:t>
-            </a:r>
-            <a:r>
-              <a:rPr lang="fi-FI" dirty="0"/>
-              <a:t> </a:t>
-            </a:r>
-            <a:r>
-              <a:rPr lang="fi-FI" dirty="0" err="1"/>
-              <a:t>access</a:t>
-            </a:r>
-            <a:r>
-              <a:rPr lang="fi-FI" dirty="0"/>
-              <a:t> </a:t>
-            </a:r>
-            <a:r>
-              <a:rPr lang="fi-FI" dirty="0" err="1"/>
-              <a:t>token</a:t>
-            </a:r>
-            <a:r>
-              <a:rPr lang="fi-FI" dirty="0"/>
-              <a:t> to </a:t>
-            </a:r>
-            <a:r>
-              <a:rPr lang="fi-FI" dirty="0" err="1"/>
-              <a:t>be</a:t>
-            </a:r>
-            <a:r>
-              <a:rPr lang="fi-FI" dirty="0"/>
-              <a:t> </a:t>
-            </a:r>
-            <a:r>
-              <a:rPr lang="fi-FI" dirty="0" err="1"/>
-              <a:t>used</a:t>
-            </a:r>
-            <a:r>
-              <a:rPr lang="fi-FI" dirty="0"/>
-              <a:t> for POST </a:t>
-            </a:r>
-            <a:r>
-              <a:rPr lang="fi-FI" dirty="0" err="1"/>
-              <a:t>methods</a:t>
-            </a:r>
-            <a:r>
-              <a:rPr lang="fi-FI" dirty="0"/>
-              <a:t> via </a:t>
-            </a:r>
-            <a:r>
-              <a:rPr lang="fi-FI" dirty="0" err="1"/>
-              <a:t>RESTful</a:t>
-            </a:r>
-            <a:r>
-              <a:rPr lang="fi-FI" dirty="0"/>
-              <a:t> </a:t>
-            </a:r>
-            <a:r>
-              <a:rPr lang="fi-FI" dirty="0" err="1"/>
-              <a:t>service</a:t>
-            </a:r>
-            <a:endParaRPr lang="fi-FI" dirty="0"/>
-          </a:p>
-          <a:p>
-            <a:pPr lvl="1"/>
-            <a:r>
-              <a:rPr lang="fi-FI" dirty="0" err="1"/>
-              <a:t>Creates</a:t>
-            </a:r>
-            <a:r>
-              <a:rPr lang="fi-FI" dirty="0"/>
-              <a:t> a </a:t>
-            </a:r>
-            <a:r>
-              <a:rPr lang="fi-FI" dirty="0" err="1"/>
-              <a:t>new</a:t>
-            </a:r>
-            <a:r>
-              <a:rPr lang="fi-FI" dirty="0"/>
-              <a:t> </a:t>
-            </a:r>
-            <a:r>
-              <a:rPr lang="fi-FI" dirty="0" err="1"/>
-              <a:t>folder</a:t>
-            </a:r>
-            <a:r>
-              <a:rPr lang="fi-FI" dirty="0"/>
-              <a:t> to </a:t>
-            </a:r>
-            <a:r>
-              <a:rPr lang="fi-FI" dirty="0" err="1"/>
-              <a:t>DropBox</a:t>
-            </a:r>
-            <a:r>
-              <a:rPr lang="fi-FI" dirty="0"/>
-              <a:t> </a:t>
-            </a:r>
-            <a:r>
-              <a:rPr lang="fi-FI" dirty="0" err="1"/>
-              <a:t>account</a:t>
-            </a:r>
-            <a:endParaRPr lang="fi-FI" dirty="0"/>
-          </a:p>
-          <a:p>
-            <a:pPr lvl="1"/>
-            <a:r>
-              <a:rPr lang="fi-FI" dirty="0" err="1"/>
-              <a:t>Fetches</a:t>
-            </a:r>
-            <a:r>
-              <a:rPr lang="fi-FI" dirty="0"/>
-              <a:t> </a:t>
-            </a:r>
-            <a:r>
-              <a:rPr lang="fi-FI" dirty="0" err="1"/>
-              <a:t>user</a:t>
-            </a:r>
-            <a:r>
-              <a:rPr lang="fi-FI" dirty="0"/>
-              <a:t> </a:t>
-            </a:r>
-            <a:r>
-              <a:rPr lang="fi-FI" dirty="0" err="1"/>
-              <a:t>account</a:t>
-            </a:r>
-            <a:r>
-              <a:rPr lang="fi-FI" dirty="0"/>
-              <a:t> </a:t>
-            </a:r>
-            <a:r>
-              <a:rPr lang="fi-FI" dirty="0" err="1"/>
-              <a:t>information</a:t>
-            </a:r>
-            <a:endParaRPr lang="fi-FI" dirty="0"/>
-          </a:p>
-          <a:p>
-            <a:pPr lvl="1"/>
-            <a:r>
-              <a:rPr lang="fi-FI" dirty="0" err="1"/>
-              <a:t>Sends</a:t>
-            </a:r>
-            <a:r>
-              <a:rPr lang="fi-FI" dirty="0"/>
-              <a:t> a </a:t>
-            </a:r>
-            <a:r>
-              <a:rPr lang="fi-FI" dirty="0" err="1"/>
-              <a:t>file</a:t>
-            </a:r>
-            <a:r>
-              <a:rPr lang="fi-FI" dirty="0"/>
-              <a:t> to </a:t>
-            </a:r>
-            <a:r>
-              <a:rPr lang="fi-FI" dirty="0" err="1"/>
-              <a:t>DropBox</a:t>
-            </a:r>
-            <a:endParaRPr lang="fi-FI" dirty="0"/>
-          </a:p>
-          <a:p>
-            <a:pPr marL="201168" lvl="1" indent="0">
+          </a:p>
+          <a:p>
+            <a:pPr marL="0" indent="0" rtl="0">
               <a:buNone/>
             </a:pPr>
+            <a:r>
+              <a:rPr lang="fi-FI" dirty="0" err="1"/>
+              <a:t>Application’s</a:t>
+            </a:r>
+            <a:r>
+              <a:rPr lang="fi-FI" dirty="0"/>
+              <a:t> </a:t>
+            </a:r>
+            <a:r>
+              <a:rPr lang="fi-FI" dirty="0" err="1"/>
+              <a:t>functionality</a:t>
+            </a:r>
+            <a:endParaRPr lang="fi-FI" dirty="0"/>
+          </a:p>
+          <a:p>
+            <a:pPr lvl="1"/>
+            <a:r>
+              <a:rPr lang="fi-FI" dirty="0" err="1"/>
+              <a:t>Fetches</a:t>
+            </a:r>
+            <a:r>
+              <a:rPr lang="fi-FI" dirty="0"/>
+              <a:t> </a:t>
+            </a:r>
+            <a:r>
+              <a:rPr lang="fi-FI" dirty="0" err="1"/>
+              <a:t>access</a:t>
+            </a:r>
+            <a:r>
+              <a:rPr lang="fi-FI" dirty="0"/>
+              <a:t> </a:t>
+            </a:r>
+            <a:r>
+              <a:rPr lang="fi-FI" dirty="0" err="1"/>
+              <a:t>token</a:t>
+            </a:r>
+            <a:r>
+              <a:rPr lang="fi-FI" dirty="0"/>
+              <a:t> to </a:t>
+            </a:r>
+            <a:r>
+              <a:rPr lang="fi-FI" dirty="0" err="1"/>
+              <a:t>be</a:t>
+            </a:r>
+            <a:r>
+              <a:rPr lang="fi-FI" dirty="0"/>
+              <a:t> </a:t>
+            </a:r>
+            <a:r>
+              <a:rPr lang="fi-FI" dirty="0" err="1"/>
+              <a:t>used</a:t>
+            </a:r>
+            <a:r>
+              <a:rPr lang="fi-FI" dirty="0"/>
+              <a:t> for POST </a:t>
+            </a:r>
+            <a:r>
+              <a:rPr lang="fi-FI" dirty="0" err="1"/>
+              <a:t>methods</a:t>
+            </a:r>
+            <a:r>
+              <a:rPr lang="fi-FI" dirty="0"/>
+              <a:t> via </a:t>
+            </a:r>
+            <a:r>
+              <a:rPr lang="fi-FI" dirty="0" err="1"/>
+              <a:t>RESTful</a:t>
+            </a:r>
+            <a:r>
+              <a:rPr lang="fi-FI" dirty="0"/>
+              <a:t> </a:t>
+            </a:r>
+            <a:r>
+              <a:rPr lang="fi-FI" dirty="0" err="1"/>
+              <a:t>service</a:t>
+            </a:r>
+            <a:endParaRPr lang="fi-FI" dirty="0"/>
+          </a:p>
+          <a:p>
+            <a:pPr lvl="1"/>
+            <a:r>
+              <a:rPr lang="fi-FI" dirty="0" err="1"/>
+              <a:t>Creates</a:t>
+            </a:r>
+            <a:r>
+              <a:rPr lang="fi-FI" dirty="0"/>
+              <a:t> a </a:t>
+            </a:r>
+            <a:r>
+              <a:rPr lang="fi-FI" dirty="0" err="1"/>
+              <a:t>new</a:t>
+            </a:r>
+            <a:r>
+              <a:rPr lang="fi-FI" dirty="0"/>
+              <a:t> </a:t>
+            </a:r>
+            <a:r>
+              <a:rPr lang="fi-FI" dirty="0" err="1"/>
+              <a:t>folder</a:t>
+            </a:r>
+            <a:r>
+              <a:rPr lang="fi-FI" dirty="0"/>
+              <a:t> to </a:t>
+            </a:r>
+            <a:r>
+              <a:rPr lang="fi-FI" dirty="0" err="1"/>
+              <a:t>DropBox</a:t>
+            </a:r>
+            <a:r>
+              <a:rPr lang="fi-FI" dirty="0"/>
+              <a:t> </a:t>
+            </a:r>
+            <a:r>
+              <a:rPr lang="fi-FI" dirty="0" err="1"/>
+              <a:t>account</a:t>
+            </a:r>
+            <a:endParaRPr lang="fi-FI" dirty="0"/>
+          </a:p>
+          <a:p>
+            <a:pPr lvl="1"/>
+            <a:r>
+              <a:rPr lang="fi-FI" dirty="0" err="1"/>
+              <a:t>Fetches</a:t>
+            </a:r>
+            <a:r>
+              <a:rPr lang="fi-FI" dirty="0"/>
+              <a:t> </a:t>
+            </a:r>
+            <a:r>
+              <a:rPr lang="fi-FI" dirty="0" err="1"/>
+              <a:t>user</a:t>
+            </a:r>
+            <a:r>
+              <a:rPr lang="fi-FI" dirty="0"/>
+              <a:t> </a:t>
+            </a:r>
+            <a:r>
+              <a:rPr lang="fi-FI" dirty="0" err="1"/>
+              <a:t>account</a:t>
+            </a:r>
+            <a:r>
+              <a:rPr lang="fi-FI" dirty="0"/>
+              <a:t> </a:t>
+            </a:r>
+            <a:r>
+              <a:rPr lang="fi-FI" dirty="0" err="1"/>
+              <a:t>information</a:t>
+            </a:r>
+            <a:endParaRPr lang="fi-FI" dirty="0"/>
+          </a:p>
+          <a:p>
+            <a:pPr lvl="1"/>
+            <a:r>
+              <a:rPr lang="fi-FI" dirty="0" err="1"/>
+              <a:t>Sends</a:t>
+            </a:r>
+            <a:r>
+              <a:rPr lang="fi-FI" dirty="0"/>
+              <a:t> a </a:t>
+            </a:r>
+            <a:r>
+              <a:rPr lang="fi-FI" dirty="0" err="1"/>
+              <a:t>file</a:t>
+            </a:r>
+            <a:r>
+              <a:rPr lang="fi-FI" dirty="0"/>
+              <a:t> to </a:t>
+            </a:r>
+            <a:r>
+              <a:rPr lang="fi-FI" dirty="0" err="1"/>
+              <a:t>DropBox</a:t>
+            </a:r>
             <a:endParaRPr lang="fi-FI" dirty="0"/>
           </a:p>
         </p:txBody>
@@ -5313,6 +5313,639 @@
     <p:extLst>
       <p:ext uri="{BB962C8B-B14F-4D97-AF65-F5344CB8AC3E}">
         <p14:creationId xmlns:p14="http://schemas.microsoft.com/office/powerpoint/2010/main" val="1851896080"/>
+      </p:ext>
+    </p:extLst>
+  </p:cSld>
+  <p:clrMapOvr>
+    <a:masterClrMapping/>
+  </p:clrMapOvr>
+  <mc:AlternateContent xmlns:mc="http://schemas.openxmlformats.org/markup-compatibility/2006" xmlns:p14="http://schemas.microsoft.com/office/powerpoint/2010/main">
+    <mc:Choice Requires="p14">
+      <p:transition spd="med" p14:dur="700">
+        <p:fade/>
+      </p:transition>
+    </mc:Choice>
+    <mc:Fallback xmlns="">
+      <p:transition spd="med">
+        <p:fade/>
+      </p:transition>
+    </mc:Fallback>
+  </mc:AlternateContent>
+</p:sld>
+</file>
+
+<file path=ppt/slides/slide4.xml><?xml version="1.0" encoding="utf-8"?>
+<p:sld xmlns:a="http://schemas.openxmlformats.org/drawingml/2006/main" xmlns:r="http://schemas.openxmlformats.org/officeDocument/2006/relationships" xmlns:p="http://schemas.openxmlformats.org/presentationml/2006/main">
+  <p:cSld>
+    <p:spTree>
+      <p:nvGrpSpPr>
+        <p:cNvPr id="1" name=""/>
+        <p:cNvGrpSpPr/>
+        <p:nvPr/>
+      </p:nvGrpSpPr>
+      <p:grpSpPr>
+        <a:xfrm>
+          <a:off x="0" y="0"/>
+          <a:ext cx="0" cy="0"/>
+          <a:chOff x="0" y="0"/>
+          <a:chExt cx="0" cy="0"/>
+        </a:xfrm>
+      </p:grpSpPr>
+      <p:sp>
+        <p:nvSpPr>
+          <p:cNvPr id="2" name="Otsikko 1">
+            <a:extLst>
+              <a:ext uri="{FF2B5EF4-FFF2-40B4-BE49-F238E27FC236}">
+                <a16:creationId xmlns:a16="http://schemas.microsoft.com/office/drawing/2014/main" id="{7013CCF3-0669-44ED-8A62-A76AB5BDAE31}"/>
+              </a:ext>
+            </a:extLst>
+          </p:cNvPr>
+          <p:cNvSpPr>
+            <a:spLocks noGrp="1"/>
+          </p:cNvSpPr>
+          <p:nvPr>
+            <p:ph type="title"/>
+          </p:nvPr>
+        </p:nvSpPr>
+        <p:spPr/>
+        <p:txBody>
+          <a:bodyPr/>
+          <a:lstStyle/>
+          <a:p>
+            <a:r>
+              <a:rPr lang="fi-FI" dirty="0"/>
+              <a:t>Business </a:t>
+            </a:r>
+            <a:r>
+              <a:rPr lang="fi-FI" dirty="0" err="1"/>
+              <a:t>logic</a:t>
+            </a:r>
+            <a:endParaRPr lang="fi-FI" dirty="0"/>
+          </a:p>
+        </p:txBody>
+      </p:sp>
+      <p:pic>
+        <p:nvPicPr>
+          <p:cNvPr id="5" name="Sisällön paikkamerkki 4">
+            <a:extLst>
+              <a:ext uri="{FF2B5EF4-FFF2-40B4-BE49-F238E27FC236}">
+                <a16:creationId xmlns:a16="http://schemas.microsoft.com/office/drawing/2014/main" id="{117D84A5-DED9-4F62-B713-B688B6CA7F9C}"/>
+              </a:ext>
+            </a:extLst>
+          </p:cNvPr>
+          <p:cNvPicPr>
+            <a:picLocks noGrp="1" noChangeAspect="1"/>
+          </p:cNvPicPr>
+          <p:nvPr>
+            <p:ph sz="half" idx="1"/>
+          </p:nvPr>
+        </p:nvPicPr>
+        <p:blipFill>
+          <a:blip r:embed="rId2">
+            <a:extLst>
+              <a:ext uri="{28A0092B-C50C-407E-A947-70E740481C1C}">
+                <a14:useLocalDpi xmlns:a14="http://schemas.microsoft.com/office/drawing/2010/main" val="0"/>
+              </a:ext>
+            </a:extLst>
+          </a:blip>
+          <a:stretch>
+            <a:fillRect/>
+          </a:stretch>
+        </p:blipFill>
+        <p:spPr>
+          <a:xfrm>
+            <a:off x="1096963" y="3048642"/>
+            <a:ext cx="4938712" cy="1617966"/>
+          </a:xfrm>
+        </p:spPr>
+      </p:pic>
+      <p:sp>
+        <p:nvSpPr>
+          <p:cNvPr id="6" name="Sisällön paikkamerkki 5">
+            <a:extLst>
+              <a:ext uri="{FF2B5EF4-FFF2-40B4-BE49-F238E27FC236}">
+                <a16:creationId xmlns:a16="http://schemas.microsoft.com/office/drawing/2014/main" id="{B7DE638C-EA9B-4B30-BA41-80FE2153546E}"/>
+              </a:ext>
+            </a:extLst>
+          </p:cNvPr>
+          <p:cNvSpPr>
+            <a:spLocks noGrp="1"/>
+          </p:cNvSpPr>
+          <p:nvPr>
+            <p:ph sz="half" idx="2"/>
+          </p:nvPr>
+        </p:nvSpPr>
+        <p:spPr/>
+        <p:txBody>
+          <a:bodyPr>
+            <a:normAutofit fontScale="85000" lnSpcReduction="10000"/>
+          </a:bodyPr>
+          <a:lstStyle/>
+          <a:p>
+            <a:pPr>
+              <a:buFont typeface="Wingdings" panose="05000000000000000000" pitchFamily="2" charset="2"/>
+              <a:buChar char="§"/>
+            </a:pPr>
+            <a:r>
+              <a:rPr lang="fi-FI" dirty="0"/>
+              <a:t> </a:t>
+            </a:r>
+            <a:r>
+              <a:rPr lang="fi-FI" dirty="0" err="1"/>
+              <a:t>Create</a:t>
+            </a:r>
+            <a:r>
+              <a:rPr lang="fi-FI" dirty="0"/>
+              <a:t> </a:t>
+            </a:r>
+            <a:r>
+              <a:rPr lang="fi-FI" dirty="0" err="1"/>
+              <a:t>access</a:t>
+            </a:r>
+            <a:r>
+              <a:rPr lang="fi-FI" dirty="0"/>
+              <a:t> </a:t>
+            </a:r>
+            <a:r>
+              <a:rPr lang="fi-FI" dirty="0" err="1"/>
+              <a:t>token</a:t>
+            </a:r>
+            <a:endParaRPr lang="fi-FI" dirty="0"/>
+          </a:p>
+          <a:p>
+            <a:pPr lvl="1">
+              <a:buFont typeface="Wingdings" panose="05000000000000000000" pitchFamily="2" charset="2"/>
+              <a:buChar char="§"/>
+            </a:pPr>
+            <a:r>
+              <a:rPr lang="fi-FI" dirty="0" err="1"/>
+              <a:t>Redirects</a:t>
+            </a:r>
+            <a:r>
+              <a:rPr lang="fi-FI" dirty="0"/>
+              <a:t> </a:t>
+            </a:r>
+            <a:r>
+              <a:rPr lang="fi-FI" dirty="0" err="1"/>
+              <a:t>the</a:t>
+            </a:r>
+            <a:r>
+              <a:rPr lang="fi-FI" dirty="0"/>
+              <a:t> </a:t>
+            </a:r>
+            <a:r>
+              <a:rPr lang="fi-FI" dirty="0" err="1"/>
+              <a:t>user</a:t>
+            </a:r>
+            <a:r>
+              <a:rPr lang="fi-FI" dirty="0"/>
+              <a:t> to </a:t>
+            </a:r>
+            <a:r>
+              <a:rPr lang="fi-FI" dirty="0" err="1"/>
+              <a:t>DropBox</a:t>
+            </a:r>
+            <a:r>
+              <a:rPr lang="fi-FI" dirty="0"/>
+              <a:t> </a:t>
+            </a:r>
+            <a:r>
+              <a:rPr lang="fi-FI" dirty="0" err="1"/>
+              <a:t>authorization</a:t>
+            </a:r>
+            <a:r>
+              <a:rPr lang="fi-FI" dirty="0"/>
+              <a:t> and </a:t>
+            </a:r>
+            <a:r>
+              <a:rPr lang="fi-FI" dirty="0" err="1"/>
+              <a:t>fetches</a:t>
+            </a:r>
+            <a:r>
+              <a:rPr lang="fi-FI" dirty="0"/>
+              <a:t> </a:t>
+            </a:r>
+            <a:r>
+              <a:rPr lang="fi-FI" dirty="0" err="1"/>
+              <a:t>access</a:t>
+            </a:r>
+            <a:r>
+              <a:rPr lang="fi-FI" dirty="0"/>
+              <a:t> </a:t>
+            </a:r>
+            <a:r>
+              <a:rPr lang="fi-FI" dirty="0" err="1"/>
+              <a:t>token</a:t>
+            </a:r>
+            <a:endParaRPr lang="fi-FI" dirty="0"/>
+          </a:p>
+          <a:p>
+            <a:pPr>
+              <a:buFont typeface="Wingdings" panose="05000000000000000000" pitchFamily="2" charset="2"/>
+              <a:buChar char="§"/>
+            </a:pPr>
+            <a:r>
+              <a:rPr lang="fi-FI" dirty="0" err="1"/>
+              <a:t>Get</a:t>
+            </a:r>
+            <a:r>
+              <a:rPr lang="fi-FI" dirty="0"/>
+              <a:t> </a:t>
+            </a:r>
+            <a:r>
+              <a:rPr lang="fi-FI" dirty="0" err="1"/>
+              <a:t>access</a:t>
+            </a:r>
+            <a:r>
+              <a:rPr lang="fi-FI" dirty="0"/>
+              <a:t> </a:t>
+            </a:r>
+            <a:r>
+              <a:rPr lang="fi-FI" dirty="0" err="1"/>
+              <a:t>token</a:t>
+            </a:r>
+            <a:endParaRPr lang="fi-FI" dirty="0"/>
+          </a:p>
+          <a:p>
+            <a:pPr lvl="1">
+              <a:buFont typeface="Wingdings" panose="05000000000000000000" pitchFamily="2" charset="2"/>
+              <a:buChar char="§"/>
+            </a:pPr>
+            <a:r>
+              <a:rPr lang="fi-FI" dirty="0" err="1"/>
+              <a:t>Retuns</a:t>
+            </a:r>
+            <a:r>
+              <a:rPr lang="fi-FI" dirty="0"/>
+              <a:t> </a:t>
+            </a:r>
+            <a:r>
+              <a:rPr lang="fi-FI" dirty="0" err="1"/>
+              <a:t>access</a:t>
+            </a:r>
+            <a:r>
+              <a:rPr lang="fi-FI" dirty="0"/>
+              <a:t> </a:t>
+            </a:r>
+            <a:r>
+              <a:rPr lang="fi-FI" dirty="0" err="1"/>
+              <a:t>token</a:t>
+            </a:r>
+            <a:r>
+              <a:rPr lang="fi-FI" dirty="0"/>
+              <a:t> to UI </a:t>
+            </a:r>
+            <a:r>
+              <a:rPr lang="fi-FI" dirty="0" err="1"/>
+              <a:t>so</a:t>
+            </a:r>
+            <a:r>
+              <a:rPr lang="fi-FI" dirty="0"/>
+              <a:t> </a:t>
+            </a:r>
+            <a:r>
+              <a:rPr lang="fi-FI" dirty="0" err="1"/>
+              <a:t>the</a:t>
+            </a:r>
+            <a:r>
+              <a:rPr lang="fi-FI" dirty="0"/>
+              <a:t> </a:t>
+            </a:r>
+            <a:r>
+              <a:rPr lang="fi-FI" dirty="0" err="1"/>
+              <a:t>user</a:t>
+            </a:r>
+            <a:r>
+              <a:rPr lang="fi-FI" dirty="0"/>
+              <a:t> </a:t>
+            </a:r>
+            <a:r>
+              <a:rPr lang="fi-FI" dirty="0" err="1"/>
+              <a:t>can</a:t>
+            </a:r>
+            <a:r>
+              <a:rPr lang="fi-FI" dirty="0"/>
+              <a:t> </a:t>
+            </a:r>
+            <a:r>
+              <a:rPr lang="fi-FI" dirty="0" err="1"/>
+              <a:t>see</a:t>
+            </a:r>
+            <a:r>
+              <a:rPr lang="fi-FI" dirty="0"/>
+              <a:t> </a:t>
+            </a:r>
+            <a:r>
+              <a:rPr lang="fi-FI" dirty="0" err="1"/>
+              <a:t>what</a:t>
+            </a:r>
+            <a:r>
+              <a:rPr lang="fi-FI" dirty="0"/>
+              <a:t> it is</a:t>
+            </a:r>
+          </a:p>
+          <a:p>
+            <a:pPr>
+              <a:buFont typeface="Wingdings" panose="05000000000000000000" pitchFamily="2" charset="2"/>
+              <a:buChar char="§"/>
+            </a:pPr>
+            <a:r>
+              <a:rPr lang="fi-FI" dirty="0"/>
+              <a:t>Show </a:t>
+            </a:r>
+            <a:r>
+              <a:rPr lang="fi-FI" dirty="0" err="1"/>
+              <a:t>user</a:t>
+            </a:r>
+            <a:r>
+              <a:rPr lang="fi-FI" dirty="0"/>
+              <a:t> info</a:t>
+            </a:r>
+          </a:p>
+          <a:p>
+            <a:pPr lvl="1">
+              <a:buFont typeface="Wingdings" panose="05000000000000000000" pitchFamily="2" charset="2"/>
+              <a:buChar char="§"/>
+            </a:pPr>
+            <a:r>
+              <a:rPr lang="fi-FI" dirty="0" err="1"/>
+              <a:t>Retrieves</a:t>
+            </a:r>
+            <a:r>
+              <a:rPr lang="fi-FI" dirty="0"/>
+              <a:t> </a:t>
+            </a:r>
+            <a:r>
+              <a:rPr lang="fi-FI" dirty="0" err="1"/>
+              <a:t>user</a:t>
+            </a:r>
+            <a:r>
+              <a:rPr lang="fi-FI" dirty="0"/>
+              <a:t> </a:t>
+            </a:r>
+            <a:r>
+              <a:rPr lang="fi-FI" dirty="0" err="1"/>
+              <a:t>infomation</a:t>
+            </a:r>
+            <a:endParaRPr lang="fi-FI" dirty="0"/>
+          </a:p>
+          <a:p>
+            <a:pPr>
+              <a:buFont typeface="Wingdings" panose="05000000000000000000" pitchFamily="2" charset="2"/>
+              <a:buChar char="§"/>
+            </a:pPr>
+            <a:r>
+              <a:rPr lang="fi-FI" dirty="0" err="1"/>
+              <a:t>Upload</a:t>
+            </a:r>
+            <a:r>
+              <a:rPr lang="fi-FI" dirty="0"/>
+              <a:t> </a:t>
+            </a:r>
+            <a:r>
+              <a:rPr lang="fi-FI" dirty="0" err="1"/>
+              <a:t>file</a:t>
+            </a:r>
+            <a:endParaRPr lang="fi-FI" dirty="0"/>
+          </a:p>
+          <a:p>
+            <a:pPr lvl="1">
+              <a:buFont typeface="Wingdings" panose="05000000000000000000" pitchFamily="2" charset="2"/>
+              <a:buChar char="§"/>
+            </a:pPr>
+            <a:r>
+              <a:rPr lang="fi-FI" dirty="0" err="1"/>
+              <a:t>Uploads</a:t>
+            </a:r>
+            <a:r>
+              <a:rPr lang="fi-FI" dirty="0"/>
+              <a:t> </a:t>
+            </a:r>
+            <a:r>
+              <a:rPr lang="fi-FI" dirty="0" err="1"/>
+              <a:t>the</a:t>
+            </a:r>
+            <a:r>
+              <a:rPr lang="fi-FI" dirty="0"/>
+              <a:t> </a:t>
+            </a:r>
+            <a:r>
+              <a:rPr lang="fi-FI" dirty="0" err="1"/>
+              <a:t>file</a:t>
+            </a:r>
+            <a:r>
+              <a:rPr lang="fi-FI" dirty="0"/>
+              <a:t> </a:t>
+            </a:r>
+            <a:r>
+              <a:rPr lang="fi-FI" dirty="0" err="1"/>
+              <a:t>located</a:t>
+            </a:r>
+            <a:r>
+              <a:rPr lang="fi-FI" dirty="0"/>
+              <a:t> in </a:t>
+            </a:r>
+            <a:r>
+              <a:rPr lang="fi-FI" dirty="0" err="1"/>
+              <a:t>given</a:t>
+            </a:r>
+            <a:r>
+              <a:rPr lang="fi-FI" dirty="0"/>
+              <a:t> </a:t>
+            </a:r>
+            <a:r>
+              <a:rPr lang="fi-FI" dirty="0" err="1"/>
+              <a:t>address</a:t>
+            </a:r>
+            <a:endParaRPr lang="fi-FI" dirty="0"/>
+          </a:p>
+          <a:p>
+            <a:pPr lvl="1">
+              <a:buFont typeface="Wingdings" panose="05000000000000000000" pitchFamily="2" charset="2"/>
+              <a:buChar char="§"/>
+            </a:pPr>
+            <a:r>
+              <a:rPr lang="fi-FI" dirty="0" err="1"/>
+              <a:t>Expects</a:t>
+            </a:r>
+            <a:r>
+              <a:rPr lang="fi-FI" dirty="0"/>
+              <a:t> input to </a:t>
+            </a:r>
+            <a:r>
+              <a:rPr lang="fi-FI" dirty="0" err="1"/>
+              <a:t>be</a:t>
+            </a:r>
+            <a:r>
+              <a:rPr lang="fi-FI" dirty="0"/>
+              <a:t> a </a:t>
+            </a:r>
+            <a:r>
+              <a:rPr lang="fi-FI" dirty="0" err="1"/>
+              <a:t>full</a:t>
+            </a:r>
+            <a:r>
+              <a:rPr lang="fi-FI" dirty="0"/>
+              <a:t> </a:t>
+            </a:r>
+            <a:r>
+              <a:rPr lang="fi-FI" dirty="0" err="1"/>
+              <a:t>file</a:t>
+            </a:r>
+            <a:r>
+              <a:rPr lang="fi-FI" dirty="0"/>
+              <a:t> </a:t>
+            </a:r>
+            <a:r>
+              <a:rPr lang="fi-FI" dirty="0" err="1"/>
+              <a:t>path</a:t>
+            </a:r>
+            <a:r>
+              <a:rPr lang="fi-FI" dirty="0"/>
+              <a:t>, for </a:t>
+            </a:r>
+            <a:r>
+              <a:rPr lang="fi-FI" dirty="0" err="1"/>
+              <a:t>example</a:t>
+            </a:r>
+            <a:r>
+              <a:rPr lang="fi-FI" dirty="0"/>
+              <a:t> ”C:\</a:t>
+            </a:r>
+            <a:r>
+              <a:rPr lang="fi-FI" dirty="0" err="1"/>
+              <a:t>Pictures</a:t>
+            </a:r>
+            <a:r>
+              <a:rPr lang="fi-FI" dirty="0"/>
+              <a:t>\panda.png”</a:t>
+            </a:r>
+          </a:p>
+          <a:p>
+            <a:pPr>
+              <a:buFont typeface="Wingdings" panose="05000000000000000000" pitchFamily="2" charset="2"/>
+              <a:buChar char="§"/>
+            </a:pPr>
+            <a:r>
+              <a:rPr lang="fi-FI" dirty="0" err="1"/>
+              <a:t>Create</a:t>
+            </a:r>
+            <a:r>
+              <a:rPr lang="fi-FI" dirty="0"/>
+              <a:t> </a:t>
+            </a:r>
+            <a:r>
+              <a:rPr lang="fi-FI" dirty="0" err="1"/>
+              <a:t>new</a:t>
+            </a:r>
+            <a:r>
+              <a:rPr lang="fi-FI" dirty="0"/>
+              <a:t> </a:t>
+            </a:r>
+            <a:r>
+              <a:rPr lang="fi-FI" dirty="0" err="1"/>
+              <a:t>folder</a:t>
+            </a:r>
+            <a:endParaRPr lang="fi-FI" dirty="0"/>
+          </a:p>
+          <a:p>
+            <a:pPr lvl="1">
+              <a:buFont typeface="Wingdings" panose="05000000000000000000" pitchFamily="2" charset="2"/>
+              <a:buChar char="§"/>
+            </a:pPr>
+            <a:r>
+              <a:rPr lang="fi-FI" dirty="0" err="1"/>
+              <a:t>Creates</a:t>
+            </a:r>
+            <a:r>
+              <a:rPr lang="fi-FI" dirty="0"/>
+              <a:t> </a:t>
+            </a:r>
+            <a:r>
+              <a:rPr lang="fi-FI" dirty="0" err="1"/>
+              <a:t>new</a:t>
+            </a:r>
+            <a:r>
+              <a:rPr lang="fi-FI" dirty="0"/>
+              <a:t> </a:t>
+            </a:r>
+            <a:r>
+              <a:rPr lang="fi-FI" dirty="0" err="1"/>
+              <a:t>folder</a:t>
+            </a:r>
+            <a:r>
+              <a:rPr lang="fi-FI" dirty="0"/>
+              <a:t> </a:t>
+            </a:r>
+            <a:r>
+              <a:rPr lang="fi-FI" dirty="0" err="1"/>
+              <a:t>with</a:t>
+            </a:r>
+            <a:r>
+              <a:rPr lang="fi-FI" dirty="0"/>
+              <a:t> </a:t>
+            </a:r>
+            <a:r>
+              <a:rPr lang="fi-FI" dirty="0" err="1"/>
+              <a:t>given</a:t>
+            </a:r>
+            <a:r>
+              <a:rPr lang="fi-FI" dirty="0"/>
+              <a:t> input</a:t>
+            </a:r>
+          </a:p>
+          <a:p>
+            <a:pPr lvl="1">
+              <a:buFont typeface="Wingdings" panose="05000000000000000000" pitchFamily="2" charset="2"/>
+              <a:buChar char="§"/>
+            </a:pPr>
+            <a:r>
+              <a:rPr lang="fi-FI" dirty="0" err="1"/>
+              <a:t>Example</a:t>
+            </a:r>
+            <a:r>
+              <a:rPr lang="fi-FI" dirty="0"/>
+              <a:t> input </a:t>
+            </a:r>
+            <a:r>
+              <a:rPr lang="fi-FI" dirty="0" err="1"/>
+              <a:t>would</a:t>
+            </a:r>
+            <a:r>
+              <a:rPr lang="fi-FI" dirty="0"/>
+              <a:t> </a:t>
+            </a:r>
+            <a:r>
+              <a:rPr lang="fi-FI" dirty="0" err="1"/>
+              <a:t>be</a:t>
+            </a:r>
+            <a:r>
+              <a:rPr lang="fi-FI" dirty="0"/>
+              <a:t> ”/</a:t>
+            </a:r>
+            <a:r>
+              <a:rPr lang="fi-FI" dirty="0" err="1"/>
+              <a:t>folder_name</a:t>
+            </a:r>
+            <a:r>
+              <a:rPr lang="fi-FI" dirty="0"/>
+              <a:t>/</a:t>
+            </a:r>
+            <a:r>
+              <a:rPr lang="fi-FI" dirty="0" err="1"/>
+              <a:t>test_folder</a:t>
+            </a:r>
+            <a:r>
+              <a:rPr lang="fi-FI" dirty="0"/>
+              <a:t>” </a:t>
+            </a:r>
+          </a:p>
+        </p:txBody>
+      </p:sp>
+    </p:spTree>
+    <p:extLst>
+      <p:ext uri="{BB962C8B-B14F-4D97-AF65-F5344CB8AC3E}">
+        <p14:creationId xmlns:p14="http://schemas.microsoft.com/office/powerpoint/2010/main" val="2536400743"/>
       </p:ext>
     </p:extLst>
   </p:cSld>

--- a/Task-2/TIES4560 Task 2.pptx
+++ b/Task-2/TIES4560 Task 2.pptx
@@ -5,16 +5,17 @@
     <p:sldMasterId id="2147483708" r:id="rId1"/>
   </p:sldMasterIdLst>
   <p:notesMasterIdLst>
-    <p:notesMasterId r:id="rId6"/>
+    <p:notesMasterId r:id="rId7"/>
   </p:notesMasterIdLst>
   <p:handoutMasterIdLst>
-    <p:handoutMasterId r:id="rId7"/>
+    <p:handoutMasterId r:id="rId8"/>
   </p:handoutMasterIdLst>
   <p:sldIdLst>
     <p:sldId id="257" r:id="rId2"/>
     <p:sldId id="259" r:id="rId3"/>
-    <p:sldId id="258" r:id="rId4"/>
-    <p:sldId id="260" r:id="rId5"/>
+    <p:sldId id="261" r:id="rId4"/>
+    <p:sldId id="258" r:id="rId5"/>
+    <p:sldId id="260" r:id="rId6"/>
   </p:sldIdLst>
   <p:sldSz cx="12192000" cy="6858000"/>
   <p:notesSz cx="6858000" cy="9144000"/>
@@ -114,6 +115,23 @@
     </a:lvl9pPr>
   </p:defaultTextStyle>
   <p:extLst>
+    <p:ext uri="{521415D9-36F7-43E2-AB2F-B90AF26B5E84}">
+      <p14:sectionLst xmlns:p14="http://schemas.microsoft.com/office/powerpoint/2010/main">
+        <p14:section name="Oletusosa" id="{13AF3E40-3CFF-4B27-81F9-A9F88BAB2BFE}">
+          <p14:sldIdLst>
+            <p14:sldId id="257"/>
+          </p14:sldIdLst>
+        </p14:section>
+        <p14:section name="Nimetön osa" id="{5F153FE1-BC1F-4E38-A214-A9B93996DE66}">
+          <p14:sldIdLst>
+            <p14:sldId id="259"/>
+            <p14:sldId id="261"/>
+            <p14:sldId id="258"/>
+            <p14:sldId id="260"/>
+          </p14:sldIdLst>
+        </p14:section>
+      </p14:sectionLst>
+    </p:ext>
     <p:ext uri="{EFAFB233-063F-42B5-8137-9DF3F51BA10A}">
       <p15:sldGuideLst xmlns:p15="http://schemas.microsoft.com/office/powerpoint/2012/main">
         <p15:guide id="1" orient="horz" pos="2160" userDrawn="1">
@@ -229,7 +247,7 @@
             <a:pPr rtl="0"/>
             <a:fld id="{742F5470-9300-4F01-BAE4-EC85CF7D996E}" type="datetime1">
               <a:rPr lang="fi-FI" smtClean="0"/>
-              <a:t>17.9.2018</a:t>
+              <a:t>19.9.2018</a:t>
             </a:fld>
             <a:endParaRPr lang="fi-FI" dirty="0"/>
           </a:p>
@@ -399,7 +417,7 @@
             <a:pPr rtl="0"/>
             <a:fld id="{BD7AAC5D-D132-405C-B1C3-7E7300BBD672}" type="datetime1">
               <a:rPr lang="fi-FI" noProof="0" smtClean="0"/>
-              <a:t>17.9.2018</a:t>
+              <a:t>19.9.2018</a:t>
             </a:fld>
             <a:endParaRPr lang="fi-FI" noProof="0" dirty="0"/>
           </a:p>
@@ -839,7 +857,7 @@
             <a:pPr rtl="0"/>
             <a:fld id="{CF2FD335-6D8E-486A-8F5F-DFC7325903FF}" type="slidenum">
               <a:rPr lang="fi-FI" smtClean="0"/>
-              <a:t>3</a:t>
+              <a:t>4</a:t>
             </a:fld>
             <a:endParaRPr lang="fi-FI" dirty="0"/>
           </a:p>
@@ -1085,7 +1103,7 @@
             <a:pPr rtl="0"/>
             <a:fld id="{2AD6E8FD-F7D7-41B4-8999-F346B70E2546}" type="datetime1">
               <a:rPr lang="fi-FI" noProof="0" smtClean="0"/>
-              <a:t>17.9.2018</a:t>
+              <a:t>19.9.2018</a:t>
             </a:fld>
             <a:endParaRPr lang="fi-FI" noProof="0" dirty="0"/>
           </a:p>
@@ -1312,7 +1330,7 @@
             <a:pPr rtl="0"/>
             <a:fld id="{09603DF7-87BD-4AFD-B0D8-FF7DA1FF7693}" type="datetime1">
               <a:rPr lang="fi-FI" noProof="0" smtClean="0"/>
-              <a:t>17.9.2018</a:t>
+              <a:t>19.9.2018</a:t>
             </a:fld>
             <a:endParaRPr lang="fi-FI" noProof="0" dirty="0"/>
           </a:p>
@@ -1576,7 +1594,7 @@
             <a:pPr rtl="0"/>
             <a:fld id="{09603DF7-87BD-4AFD-B0D8-FF7DA1FF7693}" type="datetime1">
               <a:rPr lang="fi-FI" noProof="0" smtClean="0"/>
-              <a:t>17.9.2018</a:t>
+              <a:t>19.9.2018</a:t>
             </a:fld>
             <a:endParaRPr lang="fi-FI" noProof="0" dirty="0"/>
           </a:p>
@@ -1758,7 +1776,7 @@
             <a:pPr rtl="0"/>
             <a:fld id="{36ECB4F8-557B-43CB-ACA7-6C92F8E4E511}" type="datetime1">
               <a:rPr lang="fi-FI" noProof="0" smtClean="0"/>
-              <a:t>17.9.2018</a:t>
+              <a:t>19.9.2018</a:t>
             </a:fld>
             <a:endParaRPr lang="fi-FI" noProof="0" dirty="0"/>
           </a:p>
@@ -2120,7 +2138,7 @@
             <a:pPr rtl="0"/>
             <a:fld id="{09603DF7-87BD-4AFD-B0D8-FF7DA1FF7693}" type="datetime1">
               <a:rPr lang="fi-FI" noProof="0" smtClean="0"/>
-              <a:t>17.9.2018</a:t>
+              <a:t>19.9.2018</a:t>
             </a:fld>
             <a:endParaRPr lang="fi-FI" noProof="0" dirty="0"/>
           </a:p>
@@ -2403,7 +2421,7 @@
             <a:pPr rtl="0"/>
             <a:fld id="{3A6F87A2-C6E6-483E-8C00-4E1495CB4C6E}" type="datetime1">
               <a:rPr lang="fi-FI" noProof="0" smtClean="0"/>
-              <a:t>17.9.2018</a:t>
+              <a:t>19.9.2018</a:t>
             </a:fld>
             <a:endParaRPr lang="fi-FI" noProof="0" dirty="0"/>
           </a:p>
@@ -2817,7 +2835,7 @@
             <a:pPr rtl="0"/>
             <a:fld id="{C52CDCD2-0EBA-4DFC-88B9-04B2757FE872}" type="datetime1">
               <a:rPr lang="fi-FI" noProof="0" smtClean="0"/>
-              <a:t>17.9.2018</a:t>
+              <a:t>19.9.2018</a:t>
             </a:fld>
             <a:endParaRPr lang="fi-FI" noProof="0" dirty="0"/>
           </a:p>
@@ -2954,7 +2972,7 @@
             <a:pPr rtl="0"/>
             <a:fld id="{89281AC1-AAB7-4E6C-971E-4E33DDF198C1}" type="datetime1">
               <a:rPr lang="fi-FI" noProof="0" smtClean="0"/>
-              <a:t>17.9.2018</a:t>
+              <a:t>19.9.2018</a:t>
             </a:fld>
             <a:endParaRPr lang="fi-FI" noProof="0" dirty="0"/>
           </a:p>
@@ -3144,7 +3162,7 @@
             <a:pPr rtl="0"/>
             <a:fld id="{CD91315A-3B04-4B60-B9D9-94D874790851}" type="datetime1">
               <a:rPr lang="fi-FI" noProof="0" smtClean="0"/>
-              <a:t>17.9.2018</a:t>
+              <a:t>19.9.2018</a:t>
             </a:fld>
             <a:endParaRPr lang="fi-FI" noProof="0" dirty="0"/>
           </a:p>
@@ -3517,7 +3535,7 @@
             <a:pPr rtl="0"/>
             <a:fld id="{177B2761-9052-47E7-A879-08FC02F16AE2}" type="datetime1">
               <a:rPr lang="fi-FI" noProof="0" smtClean="0"/>
-              <a:t>17.9.2018</a:t>
+              <a:t>19.9.2018</a:t>
             </a:fld>
             <a:endParaRPr lang="fi-FI" noProof="0" dirty="0"/>
           </a:p>
@@ -3918,7 +3936,7 @@
             <a:pPr rtl="0"/>
             <a:fld id="{09603DF7-87BD-4AFD-B0D8-FF7DA1FF7693}" type="datetime1">
               <a:rPr lang="fi-FI" noProof="0" smtClean="0"/>
-              <a:t>17.9.2018</a:t>
+              <a:t>19.9.2018</a:t>
             </a:fld>
             <a:endParaRPr lang="fi-FI" noProof="0" dirty="0"/>
           </a:p>
@@ -4213,7 +4231,7 @@
             <a:pPr rtl="0"/>
             <a:fld id="{09603DF7-87BD-4AFD-B0D8-FF7DA1FF7693}" type="datetime1">
               <a:rPr lang="fi-FI" noProof="0" smtClean="0"/>
-              <a:t>17.9.2018</a:t>
+              <a:t>19.9.2018</a:t>
             </a:fld>
             <a:endParaRPr lang="fi-FI" noProof="0" dirty="0"/>
           </a:p>
@@ -4826,7 +4844,12 @@
             <p:ph type="subTitle" idx="1"/>
           </p:nvPr>
         </p:nvSpPr>
-        <p:spPr/>
+        <p:spPr>
+          <a:xfrm>
+            <a:off x="947956" y="4455620"/>
+            <a:ext cx="10210495" cy="1143000"/>
+          </a:xfrm>
+        </p:spPr>
         <p:txBody>
           <a:bodyPr rtlCol="0"/>
           <a:lstStyle/>
@@ -4858,7 +4881,7 @@
             </a:r>
             <a:r>
               <a:rPr lang="fi-FI" dirty="0"/>
-              <a:t> ja </a:t>
+              <a:t> AND </a:t>
             </a:r>
             <a:r>
               <a:rPr lang="fi-FI" dirty="0" err="1"/>
@@ -4971,7 +4994,430 @@
           <a:bodyPr/>
           <a:lstStyle/>
           <a:p>
-            <a:endParaRPr lang="fi-FI"/>
+            <a:r>
+              <a:rPr lang="fi-FI" dirty="0" err="1"/>
+              <a:t>The</a:t>
+            </a:r>
+            <a:r>
+              <a:rPr lang="fi-FI" dirty="0"/>
+              <a:t> </a:t>
+            </a:r>
+            <a:r>
+              <a:rPr lang="fi-FI" dirty="0" err="1"/>
+              <a:t>project</a:t>
+            </a:r>
+            <a:r>
+              <a:rPr lang="fi-FI" dirty="0"/>
+              <a:t> </a:t>
+            </a:r>
+            <a:r>
+              <a:rPr lang="fi-FI" dirty="0" err="1"/>
+              <a:t>consists</a:t>
+            </a:r>
+            <a:r>
+              <a:rPr lang="fi-FI" dirty="0"/>
+              <a:t> of a </a:t>
+            </a:r>
+            <a:r>
+              <a:rPr lang="fi-FI" dirty="0" err="1"/>
+              <a:t>Jetty</a:t>
+            </a:r>
+            <a:r>
+              <a:rPr lang="fi-FI" dirty="0"/>
+              <a:t> Web Server </a:t>
+            </a:r>
+            <a:r>
+              <a:rPr lang="fi-FI" dirty="0" err="1"/>
+              <a:t>with</a:t>
+            </a:r>
+            <a:r>
+              <a:rPr lang="fi-FI" dirty="0"/>
+              <a:t> </a:t>
+            </a:r>
+            <a:r>
+              <a:rPr lang="fi-FI" dirty="0" err="1"/>
+              <a:t>Servlets</a:t>
+            </a:r>
+            <a:r>
+              <a:rPr lang="fi-FI" dirty="0"/>
+              <a:t> </a:t>
+            </a:r>
+            <a:r>
+              <a:rPr lang="fi-FI" dirty="0" err="1"/>
+              <a:t>that</a:t>
+            </a:r>
+            <a:r>
+              <a:rPr lang="fi-FI" dirty="0"/>
+              <a:t> </a:t>
+            </a:r>
+            <a:r>
+              <a:rPr lang="fi-FI" dirty="0" err="1"/>
+              <a:t>utilize</a:t>
+            </a:r>
+            <a:r>
+              <a:rPr lang="fi-FI" dirty="0"/>
+              <a:t> a SOAP web </a:t>
+            </a:r>
+            <a:r>
+              <a:rPr lang="fi-FI" dirty="0" err="1"/>
+              <a:t>service</a:t>
+            </a:r>
+            <a:r>
+              <a:rPr lang="fi-FI" dirty="0"/>
+              <a:t> to </a:t>
+            </a:r>
+            <a:r>
+              <a:rPr lang="fi-FI" dirty="0" err="1"/>
+              <a:t>generate</a:t>
+            </a:r>
+            <a:r>
+              <a:rPr lang="fi-FI" dirty="0"/>
+              <a:t> </a:t>
+            </a:r>
+            <a:r>
+              <a:rPr lang="fi-FI" dirty="0" err="1"/>
+              <a:t>fictional</a:t>
+            </a:r>
+            <a:r>
+              <a:rPr lang="fi-FI" dirty="0"/>
+              <a:t> </a:t>
+            </a:r>
+            <a:r>
+              <a:rPr lang="fi-FI" dirty="0" err="1"/>
+              <a:t>names</a:t>
+            </a:r>
+            <a:r>
+              <a:rPr lang="fi-FI" dirty="0"/>
+              <a:t> for </a:t>
+            </a:r>
+            <a:r>
+              <a:rPr lang="fi-FI" dirty="0" err="1"/>
+              <a:t>fantasy</a:t>
+            </a:r>
+            <a:r>
+              <a:rPr lang="fi-FI" dirty="0"/>
+              <a:t> </a:t>
+            </a:r>
+            <a:r>
+              <a:rPr lang="fi-FI" dirty="0" err="1"/>
+              <a:t>characters</a:t>
+            </a:r>
+            <a:r>
+              <a:rPr lang="fi-FI" dirty="0"/>
+              <a:t>.</a:t>
+            </a:r>
+          </a:p>
+          <a:p>
+            <a:pPr>
+              <a:buFont typeface="Arial" panose="020B0604020202020204" pitchFamily="34" charset="0"/>
+              <a:buChar char="•"/>
+            </a:pPr>
+            <a:endParaRPr lang="fi-FI" dirty="0"/>
+          </a:p>
+          <a:p>
+            <a:pPr>
+              <a:buFont typeface="Arial" panose="020B0604020202020204" pitchFamily="34" charset="0"/>
+              <a:buChar char="•"/>
+            </a:pPr>
+            <a:r>
+              <a:rPr lang="fi-FI" dirty="0"/>
+              <a:t> </a:t>
+            </a:r>
+            <a:r>
+              <a:rPr lang="fi-FI" dirty="0" err="1"/>
+              <a:t>The</a:t>
+            </a:r>
+            <a:r>
+              <a:rPr lang="fi-FI" dirty="0"/>
+              <a:t> SOAP web </a:t>
+            </a:r>
+            <a:r>
+              <a:rPr lang="fi-FI" dirty="0" err="1"/>
+              <a:t>service</a:t>
+            </a:r>
+            <a:r>
+              <a:rPr lang="fi-FI" dirty="0"/>
+              <a:t> </a:t>
+            </a:r>
+            <a:r>
+              <a:rPr lang="fi-FI" dirty="0" err="1"/>
+              <a:t>generates</a:t>
+            </a:r>
+            <a:r>
+              <a:rPr lang="fi-FI" dirty="0"/>
+              <a:t> </a:t>
+            </a:r>
+            <a:r>
+              <a:rPr lang="fi-FI" dirty="0" err="1"/>
+              <a:t>names</a:t>
+            </a:r>
+            <a:r>
+              <a:rPr lang="fi-FI" dirty="0"/>
+              <a:t> </a:t>
+            </a:r>
+            <a:r>
+              <a:rPr lang="fi-FI" dirty="0" err="1"/>
+              <a:t>based</a:t>
+            </a:r>
+            <a:r>
+              <a:rPr lang="fi-FI" dirty="0"/>
+              <a:t> on </a:t>
+            </a:r>
+            <a:r>
+              <a:rPr lang="fi-FI" dirty="0" err="1"/>
+              <a:t>given</a:t>
+            </a:r>
+            <a:r>
+              <a:rPr lang="fi-FI" dirty="0"/>
+              <a:t> </a:t>
+            </a:r>
+            <a:r>
+              <a:rPr lang="fi-FI" dirty="0" err="1"/>
+              <a:t>parameters</a:t>
+            </a:r>
+            <a:r>
+              <a:rPr lang="fi-FI" dirty="0"/>
+              <a:t> (</a:t>
+            </a:r>
+            <a:r>
+              <a:rPr lang="fi-FI" dirty="0" err="1"/>
+              <a:t>gender</a:t>
+            </a:r>
+            <a:r>
+              <a:rPr lang="fi-FI" dirty="0"/>
+              <a:t> and </a:t>
+            </a:r>
+            <a:r>
+              <a:rPr lang="fi-FI" dirty="0" err="1"/>
+              <a:t>length</a:t>
+            </a:r>
+            <a:r>
+              <a:rPr lang="fi-FI" dirty="0"/>
+              <a:t>)</a:t>
+            </a:r>
+          </a:p>
+          <a:p>
+            <a:pPr>
+              <a:buFont typeface="Arial" panose="020B0604020202020204" pitchFamily="34" charset="0"/>
+              <a:buChar char="•"/>
+            </a:pPr>
+            <a:r>
+              <a:rPr lang="fi-FI" dirty="0"/>
+              <a:t> </a:t>
+            </a:r>
+            <a:r>
+              <a:rPr lang="fi-FI" dirty="0" err="1"/>
+              <a:t>The</a:t>
+            </a:r>
+            <a:r>
+              <a:rPr lang="fi-FI" dirty="0"/>
+              <a:t> </a:t>
+            </a:r>
+            <a:r>
+              <a:rPr lang="fi-FI" dirty="0" err="1"/>
+              <a:t>Jetty</a:t>
+            </a:r>
+            <a:r>
+              <a:rPr lang="fi-FI" dirty="0"/>
+              <a:t> Web Server </a:t>
+            </a:r>
+            <a:r>
+              <a:rPr lang="fi-FI" dirty="0" err="1"/>
+              <a:t>sends</a:t>
+            </a:r>
+            <a:r>
+              <a:rPr lang="fi-FI" dirty="0"/>
+              <a:t> </a:t>
+            </a:r>
+            <a:r>
+              <a:rPr lang="fi-FI" dirty="0" err="1"/>
+              <a:t>these</a:t>
+            </a:r>
+            <a:r>
+              <a:rPr lang="fi-FI" dirty="0"/>
+              <a:t> </a:t>
+            </a:r>
+            <a:r>
+              <a:rPr lang="fi-FI" dirty="0" err="1"/>
+              <a:t>parameters</a:t>
+            </a:r>
+            <a:r>
+              <a:rPr lang="fi-FI" dirty="0"/>
+              <a:t> to </a:t>
+            </a:r>
+            <a:r>
+              <a:rPr lang="fi-FI" dirty="0" err="1"/>
+              <a:t>the</a:t>
+            </a:r>
+            <a:r>
+              <a:rPr lang="fi-FI" dirty="0"/>
+              <a:t> SOAP WS </a:t>
+            </a:r>
+            <a:r>
+              <a:rPr lang="fi-FI" dirty="0" err="1"/>
+              <a:t>when</a:t>
+            </a:r>
+            <a:r>
+              <a:rPr lang="fi-FI" dirty="0"/>
+              <a:t> </a:t>
+            </a:r>
+            <a:r>
+              <a:rPr lang="fi-FI" dirty="0" err="1"/>
+              <a:t>the</a:t>
+            </a:r>
+            <a:r>
+              <a:rPr lang="fi-FI" dirty="0"/>
+              <a:t> </a:t>
+            </a:r>
+            <a:r>
+              <a:rPr lang="fi-FI" dirty="0" err="1"/>
+              <a:t>user</a:t>
+            </a:r>
+            <a:r>
+              <a:rPr lang="fi-FI" dirty="0"/>
+              <a:t> </a:t>
+            </a:r>
+            <a:r>
+              <a:rPr lang="fi-FI" dirty="0" err="1"/>
+              <a:t>requests</a:t>
+            </a:r>
+            <a:r>
+              <a:rPr lang="fi-FI" dirty="0"/>
+              <a:t> a </a:t>
+            </a:r>
+            <a:r>
+              <a:rPr lang="fi-FI" dirty="0" err="1"/>
+              <a:t>name</a:t>
+            </a:r>
+            <a:endParaRPr lang="fi-FI" dirty="0"/>
+          </a:p>
+          <a:p>
+            <a:pPr>
+              <a:buFont typeface="Arial" panose="020B0604020202020204" pitchFamily="34" charset="0"/>
+              <a:buChar char="•"/>
+            </a:pPr>
+            <a:r>
+              <a:rPr lang="fi-FI" dirty="0"/>
+              <a:t> </a:t>
+            </a:r>
+            <a:r>
+              <a:rPr lang="fi-FI" dirty="0" err="1"/>
+              <a:t>The</a:t>
+            </a:r>
+            <a:r>
+              <a:rPr lang="fi-FI" dirty="0"/>
+              <a:t> </a:t>
+            </a:r>
+            <a:r>
+              <a:rPr lang="fi-FI" dirty="0" err="1"/>
+              <a:t>user</a:t>
+            </a:r>
+            <a:r>
+              <a:rPr lang="fi-FI" dirty="0"/>
+              <a:t> </a:t>
+            </a:r>
+            <a:r>
+              <a:rPr lang="fi-FI" dirty="0" err="1"/>
+              <a:t>can</a:t>
+            </a:r>
+            <a:r>
+              <a:rPr lang="fi-FI" dirty="0"/>
+              <a:t> </a:t>
+            </a:r>
+            <a:r>
+              <a:rPr lang="fi-FI" dirty="0" err="1"/>
+              <a:t>modify</a:t>
+            </a:r>
+            <a:r>
+              <a:rPr lang="fi-FI" dirty="0"/>
+              <a:t> </a:t>
+            </a:r>
+            <a:r>
+              <a:rPr lang="fi-FI" dirty="0" err="1"/>
+              <a:t>these</a:t>
+            </a:r>
+            <a:r>
+              <a:rPr lang="fi-FI" dirty="0"/>
+              <a:t> </a:t>
+            </a:r>
+            <a:r>
+              <a:rPr lang="fi-FI" dirty="0" err="1"/>
+              <a:t>parameters</a:t>
+            </a:r>
+            <a:r>
+              <a:rPr lang="fi-FI" dirty="0"/>
+              <a:t> </a:t>
+            </a:r>
+            <a:r>
+              <a:rPr lang="fi-FI" dirty="0" err="1"/>
+              <a:t>by</a:t>
+            </a:r>
+            <a:r>
+              <a:rPr lang="fi-FI" dirty="0"/>
+              <a:t> </a:t>
+            </a:r>
+            <a:r>
+              <a:rPr lang="fi-FI" dirty="0" err="1"/>
+              <a:t>editing</a:t>
+            </a:r>
+            <a:r>
+              <a:rPr lang="fi-FI" dirty="0"/>
+              <a:t> </a:t>
+            </a:r>
+            <a:r>
+              <a:rPr lang="fi-FI" dirty="0" err="1"/>
+              <a:t>the</a:t>
+            </a:r>
+            <a:r>
+              <a:rPr lang="fi-FI" dirty="0"/>
+              <a:t> </a:t>
+            </a:r>
+            <a:r>
+              <a:rPr lang="fi-FI" dirty="0" err="1"/>
+              <a:t>parameters</a:t>
+            </a:r>
+            <a:r>
+              <a:rPr lang="fi-FI" dirty="0"/>
+              <a:t> of </a:t>
+            </a:r>
+            <a:r>
+              <a:rPr lang="fi-FI" dirty="0" err="1"/>
+              <a:t>the</a:t>
+            </a:r>
+            <a:r>
+              <a:rPr lang="fi-FI" dirty="0"/>
+              <a:t> </a:t>
+            </a:r>
+            <a:r>
+              <a:rPr lang="fi-FI" dirty="0" err="1"/>
+              <a:t>request</a:t>
+            </a:r>
+            <a:r>
+              <a:rPr lang="fi-FI" dirty="0"/>
+              <a:t> to </a:t>
+            </a:r>
+            <a:r>
+              <a:rPr lang="fi-FI" dirty="0" err="1"/>
+              <a:t>the</a:t>
+            </a:r>
+            <a:r>
+              <a:rPr lang="fi-FI" dirty="0"/>
+              <a:t> </a:t>
+            </a:r>
+            <a:r>
+              <a:rPr lang="fi-FI" dirty="0" err="1"/>
+              <a:t>Jetty</a:t>
+            </a:r>
+            <a:r>
+              <a:rPr lang="fi-FI" dirty="0"/>
+              <a:t> Web Server</a:t>
+            </a:r>
+          </a:p>
+          <a:p>
+            <a:pPr marL="0" indent="0">
+              <a:buNone/>
+            </a:pPr>
+            <a:endParaRPr lang="fi-FI" dirty="0"/>
           </a:p>
         </p:txBody>
       </p:sp>
@@ -5019,6 +5465,690 @@
       </p:grpSpPr>
       <p:sp>
         <p:nvSpPr>
+          <p:cNvPr id="2" name="Otsikko 1">
+            <a:extLst>
+              <a:ext uri="{FF2B5EF4-FFF2-40B4-BE49-F238E27FC236}">
+                <a16:creationId xmlns:a16="http://schemas.microsoft.com/office/drawing/2014/main" id="{C1677EB3-7152-42D6-AC05-412D9EB60E50}"/>
+              </a:ext>
+            </a:extLst>
+          </p:cNvPr>
+          <p:cNvSpPr>
+            <a:spLocks noGrp="1"/>
+          </p:cNvSpPr>
+          <p:nvPr>
+            <p:ph type="title"/>
+          </p:nvPr>
+        </p:nvSpPr>
+        <p:spPr/>
+        <p:txBody>
+          <a:bodyPr/>
+          <a:lstStyle/>
+          <a:p>
+            <a:r>
+              <a:rPr lang="fi-FI" dirty="0" err="1"/>
+              <a:t>Task</a:t>
+            </a:r>
+            <a:r>
+              <a:rPr lang="fi-FI" dirty="0"/>
+              <a:t> 2.1: API</a:t>
+            </a:r>
+          </a:p>
+        </p:txBody>
+      </p:sp>
+      <p:graphicFrame>
+        <p:nvGraphicFramePr>
+          <p:cNvPr id="5" name="Sisällön paikkamerkki 4">
+            <a:extLst>
+              <a:ext uri="{FF2B5EF4-FFF2-40B4-BE49-F238E27FC236}">
+                <a16:creationId xmlns:a16="http://schemas.microsoft.com/office/drawing/2014/main" id="{4178E7CF-4CCD-4ED1-A024-85640C839616}"/>
+              </a:ext>
+            </a:extLst>
+          </p:cNvPr>
+          <p:cNvGraphicFramePr>
+            <a:graphicFrameLocks noGrp="1"/>
+          </p:cNvGraphicFramePr>
+          <p:nvPr>
+            <p:ph idx="1"/>
+            <p:extLst>
+              <p:ext uri="{D42A27DB-BD31-4B8C-83A1-F6EECF244321}">
+                <p14:modId xmlns:p14="http://schemas.microsoft.com/office/powerpoint/2010/main" val="2016932250"/>
+              </p:ext>
+            </p:extLst>
+          </p:nvPr>
+        </p:nvGraphicFramePr>
+        <p:xfrm>
+          <a:off x="1096963" y="1846263"/>
+          <a:ext cx="10058400" cy="3205480"/>
+        </p:xfrm>
+        <a:graphic>
+          <a:graphicData uri="http://schemas.openxmlformats.org/drawingml/2006/table">
+            <a:tbl>
+              <a:tblPr firstRow="1" bandRow="1">
+                <a:tableStyleId>{3B4B98B0-60AC-42C2-AFA5-B58CD77FA1E5}</a:tableStyleId>
+              </a:tblPr>
+              <a:tblGrid>
+                <a:gridCol w="2011680">
+                  <a:extLst>
+                    <a:ext uri="{9D8B030D-6E8A-4147-A177-3AD203B41FA5}">
+                      <a16:colId xmlns:a16="http://schemas.microsoft.com/office/drawing/2014/main" val="1993197755"/>
+                    </a:ext>
+                  </a:extLst>
+                </a:gridCol>
+                <a:gridCol w="1547247">
+                  <a:extLst>
+                    <a:ext uri="{9D8B030D-6E8A-4147-A177-3AD203B41FA5}">
+                      <a16:colId xmlns:a16="http://schemas.microsoft.com/office/drawing/2014/main" val="820797706"/>
+                    </a:ext>
+                  </a:extLst>
+                </a:gridCol>
+                <a:gridCol w="1912690">
+                  <a:extLst>
+                    <a:ext uri="{9D8B030D-6E8A-4147-A177-3AD203B41FA5}">
+                      <a16:colId xmlns:a16="http://schemas.microsoft.com/office/drawing/2014/main" val="1109499023"/>
+                    </a:ext>
+                  </a:extLst>
+                </a:gridCol>
+                <a:gridCol w="2575103">
+                  <a:extLst>
+                    <a:ext uri="{9D8B030D-6E8A-4147-A177-3AD203B41FA5}">
+                      <a16:colId xmlns:a16="http://schemas.microsoft.com/office/drawing/2014/main" val="4253124287"/>
+                    </a:ext>
+                  </a:extLst>
+                </a:gridCol>
+                <a:gridCol w="2011680">
+                  <a:extLst>
+                    <a:ext uri="{9D8B030D-6E8A-4147-A177-3AD203B41FA5}">
+                      <a16:colId xmlns:a16="http://schemas.microsoft.com/office/drawing/2014/main" val="3759713014"/>
+                    </a:ext>
+                  </a:extLst>
+                </a:gridCol>
+              </a:tblGrid>
+              <a:tr h="370840">
+                <a:tc>
+                  <a:txBody>
+                    <a:bodyPr/>
+                    <a:lstStyle/>
+                    <a:p>
+                      <a:r>
+                        <a:rPr lang="fi-FI" dirty="0" err="1"/>
+                        <a:t>path</a:t>
+                      </a:r>
+                      <a:endParaRPr lang="fi-FI" dirty="0"/>
+                    </a:p>
+                  </a:txBody>
+                  <a:tcPr/>
+                </a:tc>
+                <a:tc>
+                  <a:txBody>
+                    <a:bodyPr/>
+                    <a:lstStyle/>
+                    <a:p>
+                      <a:r>
+                        <a:rPr lang="fi-FI" dirty="0" err="1"/>
+                        <a:t>method</a:t>
+                      </a:r>
+                      <a:endParaRPr lang="fi-FI" dirty="0"/>
+                    </a:p>
+                  </a:txBody>
+                  <a:tcPr/>
+                </a:tc>
+                <a:tc>
+                  <a:txBody>
+                    <a:bodyPr/>
+                    <a:lstStyle/>
+                    <a:p>
+                      <a:r>
+                        <a:rPr lang="fi-FI" dirty="0" err="1"/>
+                        <a:t>parameters</a:t>
+                      </a:r>
+                      <a:endParaRPr lang="fi-FI" dirty="0"/>
+                    </a:p>
+                  </a:txBody>
+                  <a:tcPr/>
+                </a:tc>
+                <a:tc>
+                  <a:txBody>
+                    <a:bodyPr/>
+                    <a:lstStyle/>
+                    <a:p>
+                      <a:r>
+                        <a:rPr lang="fi-FI" dirty="0" err="1"/>
+                        <a:t>response</a:t>
+                      </a:r>
+                      <a:endParaRPr lang="fi-FI" dirty="0"/>
+                    </a:p>
+                  </a:txBody>
+                  <a:tcPr/>
+                </a:tc>
+                <a:tc>
+                  <a:txBody>
+                    <a:bodyPr/>
+                    <a:lstStyle/>
+                    <a:p>
+                      <a:r>
+                        <a:rPr lang="fi-FI" dirty="0" err="1"/>
+                        <a:t>failures</a:t>
+                      </a:r>
+                      <a:endParaRPr lang="fi-FI" dirty="0"/>
+                    </a:p>
+                  </a:txBody>
+                  <a:tcPr/>
+                </a:tc>
+                <a:extLst>
+                  <a:ext uri="{0D108BD9-81ED-4DB2-BD59-A6C34878D82A}">
+                    <a16:rowId xmlns:a16="http://schemas.microsoft.com/office/drawing/2014/main" val="2770040217"/>
+                  </a:ext>
+                </a:extLst>
+              </a:tr>
+              <a:tr h="370840">
+                <a:tc>
+                  <a:txBody>
+                    <a:bodyPr/>
+                    <a:lstStyle/>
+                    <a:p>
+                      <a:r>
+                        <a:rPr lang="fi-FI" dirty="0"/>
+                        <a:t>/</a:t>
+                      </a:r>
+                      <a:r>
+                        <a:rPr lang="fi-FI" dirty="0" err="1"/>
+                        <a:t>getFullName</a:t>
+                      </a:r>
+                      <a:endParaRPr lang="fi-FI" dirty="0"/>
+                    </a:p>
+                  </a:txBody>
+                  <a:tcPr/>
+                </a:tc>
+                <a:tc>
+                  <a:txBody>
+                    <a:bodyPr/>
+                    <a:lstStyle/>
+                    <a:p>
+                      <a:r>
+                        <a:rPr lang="fi-FI" dirty="0"/>
+                        <a:t>GET and POST</a:t>
+                      </a:r>
+                    </a:p>
+                  </a:txBody>
+                  <a:tcPr/>
+                </a:tc>
+                <a:tc>
+                  <a:txBody>
+                    <a:bodyPr/>
+                    <a:lstStyle/>
+                    <a:p>
+                      <a:r>
+                        <a:rPr lang="fi-FI" dirty="0" err="1"/>
+                        <a:t>gender</a:t>
+                      </a:r>
+                      <a:r>
+                        <a:rPr lang="fi-FI" dirty="0"/>
+                        <a:t> (</a:t>
+                      </a:r>
+                      <a:r>
+                        <a:rPr lang="fi-FI" dirty="0" err="1"/>
+                        <a:t>optional</a:t>
+                      </a:r>
+                      <a:r>
+                        <a:rPr lang="fi-FI" dirty="0"/>
+                        <a:t>)</a:t>
+                      </a:r>
+                    </a:p>
+                  </a:txBody>
+                  <a:tcPr/>
+                </a:tc>
+                <a:tc>
+                  <a:txBody>
+                    <a:bodyPr/>
+                    <a:lstStyle/>
+                    <a:p>
+                      <a:r>
+                        <a:rPr lang="fi-FI" dirty="0"/>
+                        <a:t>200 and </a:t>
+                      </a:r>
+                      <a:r>
+                        <a:rPr lang="fi-FI" dirty="0" err="1"/>
+                        <a:t>generated</a:t>
+                      </a:r>
+                      <a:r>
+                        <a:rPr lang="fi-FI" dirty="0"/>
+                        <a:t> </a:t>
+                      </a:r>
+                      <a:r>
+                        <a:rPr lang="fi-FI" dirty="0" err="1"/>
+                        <a:t>name</a:t>
+                      </a:r>
+                      <a:endParaRPr lang="fi-FI" dirty="0"/>
+                    </a:p>
+                  </a:txBody>
+                  <a:tcPr/>
+                </a:tc>
+                <a:tc>
+                  <a:txBody>
+                    <a:bodyPr/>
+                    <a:lstStyle/>
+                    <a:p>
+                      <a:r>
+                        <a:rPr lang="fi-FI" dirty="0"/>
+                        <a:t>400 and an </a:t>
+                      </a:r>
+                      <a:r>
+                        <a:rPr lang="fi-FI" dirty="0" err="1"/>
+                        <a:t>error</a:t>
+                      </a:r>
+                      <a:r>
+                        <a:rPr lang="fi-FI" dirty="0"/>
+                        <a:t> </a:t>
+                      </a:r>
+                      <a:r>
+                        <a:rPr lang="fi-FI" dirty="0" err="1"/>
+                        <a:t>message</a:t>
+                      </a:r>
+                      <a:endParaRPr lang="fi-FI" dirty="0"/>
+                    </a:p>
+                  </a:txBody>
+                  <a:tcPr/>
+                </a:tc>
+                <a:extLst>
+                  <a:ext uri="{0D108BD9-81ED-4DB2-BD59-A6C34878D82A}">
+                    <a16:rowId xmlns:a16="http://schemas.microsoft.com/office/drawing/2014/main" val="1147978990"/>
+                  </a:ext>
+                </a:extLst>
+              </a:tr>
+              <a:tr h="370840">
+                <a:tc>
+                  <a:txBody>
+                    <a:bodyPr/>
+                    <a:lstStyle/>
+                    <a:p>
+                      <a:r>
+                        <a:rPr lang="fi-FI" dirty="0"/>
+                        <a:t>/</a:t>
+                      </a:r>
+                      <a:r>
+                        <a:rPr lang="fi-FI" dirty="0" err="1"/>
+                        <a:t>getFirstName</a:t>
+                      </a:r>
+                      <a:endParaRPr lang="fi-FI" dirty="0"/>
+                    </a:p>
+                  </a:txBody>
+                  <a:tcPr/>
+                </a:tc>
+                <a:tc>
+                  <a:txBody>
+                    <a:bodyPr/>
+                    <a:lstStyle/>
+                    <a:p>
+                      <a:r>
+                        <a:rPr lang="fi-FI" dirty="0"/>
+                        <a:t>GET and POST</a:t>
+                      </a:r>
+                    </a:p>
+                  </a:txBody>
+                  <a:tcPr/>
+                </a:tc>
+                <a:tc>
+                  <a:txBody>
+                    <a:bodyPr/>
+                    <a:lstStyle/>
+                    <a:p>
+                      <a:r>
+                        <a:rPr lang="fi-FI" dirty="0" err="1"/>
+                        <a:t>gender</a:t>
+                      </a:r>
+                      <a:r>
+                        <a:rPr lang="fi-FI" dirty="0"/>
+                        <a:t>, </a:t>
+                      </a:r>
+                      <a:r>
+                        <a:rPr lang="fi-FI" dirty="0" err="1"/>
+                        <a:t>syllableCount</a:t>
+                      </a:r>
+                      <a:r>
+                        <a:rPr lang="fi-FI" dirty="0"/>
+                        <a:t> (</a:t>
+                      </a:r>
+                      <a:r>
+                        <a:rPr lang="fi-FI" dirty="0" err="1"/>
+                        <a:t>both</a:t>
+                      </a:r>
+                      <a:r>
+                        <a:rPr lang="fi-FI" dirty="0"/>
+                        <a:t> </a:t>
+                      </a:r>
+                      <a:r>
+                        <a:rPr lang="fi-FI" dirty="0" err="1"/>
+                        <a:t>optional</a:t>
+                      </a:r>
+                      <a:r>
+                        <a:rPr lang="fi-FI" dirty="0"/>
+                        <a:t>)</a:t>
+                      </a:r>
+                    </a:p>
+                  </a:txBody>
+                  <a:tcPr/>
+                </a:tc>
+                <a:tc>
+                  <a:txBody>
+                    <a:bodyPr/>
+                    <a:lstStyle/>
+                    <a:p>
+                      <a:r>
+                        <a:rPr lang="fi-FI" dirty="0"/>
+                        <a:t>200 and </a:t>
+                      </a:r>
+                      <a:r>
+                        <a:rPr lang="fi-FI" dirty="0" err="1"/>
+                        <a:t>generated</a:t>
+                      </a:r>
+                      <a:r>
+                        <a:rPr lang="fi-FI" dirty="0"/>
+                        <a:t> </a:t>
+                      </a:r>
+                      <a:r>
+                        <a:rPr lang="fi-FI" dirty="0" err="1"/>
+                        <a:t>name</a:t>
+                      </a:r>
+                      <a:endParaRPr lang="fi-FI" dirty="0"/>
+                    </a:p>
+                  </a:txBody>
+                  <a:tcPr/>
+                </a:tc>
+                <a:tc>
+                  <a:txBody>
+                    <a:bodyPr/>
+                    <a:lstStyle/>
+                    <a:p>
+                      <a:r>
+                        <a:rPr lang="fi-FI" dirty="0"/>
+                        <a:t>400 and an </a:t>
+                      </a:r>
+                      <a:r>
+                        <a:rPr lang="fi-FI" dirty="0" err="1"/>
+                        <a:t>error</a:t>
+                      </a:r>
+                      <a:r>
+                        <a:rPr lang="fi-FI" dirty="0"/>
+                        <a:t> </a:t>
+                      </a:r>
+                      <a:r>
+                        <a:rPr lang="fi-FI" dirty="0" err="1"/>
+                        <a:t>message</a:t>
+                      </a:r>
+                      <a:endParaRPr lang="fi-FI" dirty="0"/>
+                    </a:p>
+                  </a:txBody>
+                  <a:tcPr/>
+                </a:tc>
+                <a:extLst>
+                  <a:ext uri="{0D108BD9-81ED-4DB2-BD59-A6C34878D82A}">
+                    <a16:rowId xmlns:a16="http://schemas.microsoft.com/office/drawing/2014/main" val="898697436"/>
+                  </a:ext>
+                </a:extLst>
+              </a:tr>
+              <a:tr h="370840">
+                <a:tc>
+                  <a:txBody>
+                    <a:bodyPr/>
+                    <a:lstStyle/>
+                    <a:p>
+                      <a:r>
+                        <a:rPr lang="fi-FI" dirty="0"/>
+                        <a:t>/</a:t>
+                      </a:r>
+                      <a:r>
+                        <a:rPr lang="fi-FI" dirty="0" err="1"/>
+                        <a:t>getLastName</a:t>
+                      </a:r>
+                      <a:endParaRPr lang="fi-FI" dirty="0"/>
+                    </a:p>
+                  </a:txBody>
+                  <a:tcPr/>
+                </a:tc>
+                <a:tc>
+                  <a:txBody>
+                    <a:bodyPr/>
+                    <a:lstStyle/>
+                    <a:p>
+                      <a:r>
+                        <a:rPr lang="fi-FI" dirty="0"/>
+                        <a:t>GET and POST</a:t>
+                      </a:r>
+                    </a:p>
+                  </a:txBody>
+                  <a:tcPr/>
+                </a:tc>
+                <a:tc>
+                  <a:txBody>
+                    <a:bodyPr/>
+                    <a:lstStyle/>
+                    <a:p>
+                      <a:r>
+                        <a:rPr lang="fi-FI" dirty="0" err="1"/>
+                        <a:t>syllableCount</a:t>
+                      </a:r>
+                      <a:r>
+                        <a:rPr lang="fi-FI" dirty="0"/>
+                        <a:t> (</a:t>
+                      </a:r>
+                      <a:r>
+                        <a:rPr lang="fi-FI" dirty="0" err="1"/>
+                        <a:t>optional</a:t>
+                      </a:r>
+                      <a:r>
+                        <a:rPr lang="fi-FI" dirty="0"/>
+                        <a:t>)</a:t>
+                      </a:r>
+                    </a:p>
+                  </a:txBody>
+                  <a:tcPr/>
+                </a:tc>
+                <a:tc>
+                  <a:txBody>
+                    <a:bodyPr/>
+                    <a:lstStyle/>
+                    <a:p>
+                      <a:r>
+                        <a:rPr lang="fi-FI" dirty="0"/>
+                        <a:t>200 and </a:t>
+                      </a:r>
+                      <a:r>
+                        <a:rPr lang="fi-FI" dirty="0" err="1"/>
+                        <a:t>generated</a:t>
+                      </a:r>
+                      <a:r>
+                        <a:rPr lang="fi-FI" dirty="0"/>
+                        <a:t> </a:t>
+                      </a:r>
+                      <a:r>
+                        <a:rPr lang="fi-FI" dirty="0" err="1"/>
+                        <a:t>name</a:t>
+                      </a:r>
+                      <a:endParaRPr lang="fi-FI" dirty="0"/>
+                    </a:p>
+                  </a:txBody>
+                  <a:tcPr/>
+                </a:tc>
+                <a:tc>
+                  <a:txBody>
+                    <a:bodyPr/>
+                    <a:lstStyle/>
+                    <a:p>
+                      <a:r>
+                        <a:rPr lang="fi-FI" dirty="0"/>
+                        <a:t>400 and an </a:t>
+                      </a:r>
+                      <a:r>
+                        <a:rPr lang="fi-FI" dirty="0" err="1"/>
+                        <a:t>error</a:t>
+                      </a:r>
+                      <a:r>
+                        <a:rPr lang="fi-FI" dirty="0"/>
+                        <a:t> </a:t>
+                      </a:r>
+                      <a:r>
+                        <a:rPr lang="fi-FI" dirty="0" err="1"/>
+                        <a:t>message</a:t>
+                      </a:r>
+                      <a:endParaRPr lang="fi-FI" dirty="0"/>
+                    </a:p>
+                  </a:txBody>
+                  <a:tcPr/>
+                </a:tc>
+                <a:extLst>
+                  <a:ext uri="{0D108BD9-81ED-4DB2-BD59-A6C34878D82A}">
+                    <a16:rowId xmlns:a16="http://schemas.microsoft.com/office/drawing/2014/main" val="2771916110"/>
+                  </a:ext>
+                </a:extLst>
+              </a:tr>
+              <a:tr h="370840">
+                <a:tc>
+                  <a:txBody>
+                    <a:bodyPr/>
+                    <a:lstStyle/>
+                    <a:p>
+                      <a:r>
+                        <a:rPr lang="fi-FI" dirty="0"/>
+                        <a:t>/</a:t>
+                      </a:r>
+                      <a:r>
+                        <a:rPr lang="fi-FI" dirty="0" err="1"/>
+                        <a:t>getNameHistory</a:t>
+                      </a:r>
+                      <a:endParaRPr lang="fi-FI" dirty="0"/>
+                    </a:p>
+                  </a:txBody>
+                  <a:tcPr/>
+                </a:tc>
+                <a:tc>
+                  <a:txBody>
+                    <a:bodyPr/>
+                    <a:lstStyle/>
+                    <a:p>
+                      <a:r>
+                        <a:rPr lang="fi-FI" dirty="0"/>
+                        <a:t>GET and POST</a:t>
+                      </a:r>
+                    </a:p>
+                  </a:txBody>
+                  <a:tcPr/>
+                </a:tc>
+                <a:tc>
+                  <a:txBody>
+                    <a:bodyPr/>
+                    <a:lstStyle/>
+                    <a:p>
+                      <a:r>
+                        <a:rPr lang="fi-FI" dirty="0" err="1"/>
+                        <a:t>none</a:t>
+                      </a:r>
+                      <a:endParaRPr lang="fi-FI" dirty="0"/>
+                    </a:p>
+                  </a:txBody>
+                  <a:tcPr/>
+                </a:tc>
+                <a:tc>
+                  <a:txBody>
+                    <a:bodyPr/>
+                    <a:lstStyle/>
+                    <a:p>
+                      <a:r>
+                        <a:rPr lang="fi-FI" dirty="0" err="1"/>
+                        <a:t>always</a:t>
+                      </a:r>
+                      <a:r>
+                        <a:rPr lang="fi-FI" dirty="0"/>
+                        <a:t> </a:t>
+                      </a:r>
+                      <a:r>
+                        <a:rPr lang="fi-FI" dirty="0" err="1"/>
+                        <a:t>fails</a:t>
+                      </a:r>
+                      <a:endParaRPr lang="fi-FI" dirty="0"/>
+                    </a:p>
+                  </a:txBody>
+                  <a:tcPr/>
+                </a:tc>
+                <a:tc>
+                  <a:txBody>
+                    <a:bodyPr/>
+                    <a:lstStyle/>
+                    <a:p>
+                      <a:r>
+                        <a:rPr lang="fi-FI" dirty="0"/>
+                        <a:t>501 </a:t>
+                      </a:r>
+                      <a:r>
+                        <a:rPr lang="fi-FI" dirty="0" err="1"/>
+                        <a:t>Not</a:t>
+                      </a:r>
+                      <a:r>
+                        <a:rPr lang="fi-FI" dirty="0"/>
+                        <a:t> </a:t>
+                      </a:r>
+                      <a:r>
+                        <a:rPr lang="fi-FI" dirty="0" err="1"/>
+                        <a:t>Implemented</a:t>
+                      </a:r>
+                      <a:endParaRPr lang="fi-FI" dirty="0"/>
+                    </a:p>
+                  </a:txBody>
+                  <a:tcPr/>
+                </a:tc>
+                <a:extLst>
+                  <a:ext uri="{0D108BD9-81ED-4DB2-BD59-A6C34878D82A}">
+                    <a16:rowId xmlns:a16="http://schemas.microsoft.com/office/drawing/2014/main" val="84198703"/>
+                  </a:ext>
+                </a:extLst>
+              </a:tr>
+            </a:tbl>
+          </a:graphicData>
+        </a:graphic>
+      </p:graphicFrame>
+    </p:spTree>
+    <p:extLst>
+      <p:ext uri="{BB962C8B-B14F-4D97-AF65-F5344CB8AC3E}">
+        <p14:creationId xmlns:p14="http://schemas.microsoft.com/office/powerpoint/2010/main" val="1385623930"/>
+      </p:ext>
+    </p:extLst>
+  </p:cSld>
+  <p:clrMapOvr>
+    <a:masterClrMapping/>
+  </p:clrMapOvr>
+  <mc:AlternateContent xmlns:mc="http://schemas.openxmlformats.org/markup-compatibility/2006" xmlns:p14="http://schemas.microsoft.com/office/powerpoint/2010/main">
+    <mc:Choice Requires="p14">
+      <p:transition spd="med" p14:dur="700">
+        <p:fade/>
+      </p:transition>
+    </mc:Choice>
+    <mc:Fallback xmlns="">
+      <p:transition spd="med">
+        <p:fade/>
+      </p:transition>
+    </mc:Fallback>
+  </mc:AlternateContent>
+</p:sld>
+</file>
+
+<file path=ppt/slides/slide4.xml><?xml version="1.0" encoding="utf-8"?>
+<p:sld xmlns:a="http://schemas.openxmlformats.org/drawingml/2006/main" xmlns:r="http://schemas.openxmlformats.org/officeDocument/2006/relationships" xmlns:p="http://schemas.openxmlformats.org/presentationml/2006/main">
+  <p:cSld>
+    <p:spTree>
+      <p:nvGrpSpPr>
+        <p:cNvPr id="1" name=""/>
+        <p:cNvGrpSpPr/>
+        <p:nvPr/>
+      </p:nvGrpSpPr>
+      <p:grpSpPr>
+        <a:xfrm>
+          <a:off x="0" y="0"/>
+          <a:ext cx="0" cy="0"/>
+          <a:chOff x="0" y="0"/>
+          <a:chExt cx="0" cy="0"/>
+        </a:xfrm>
+      </p:grpSpPr>
+      <p:sp>
+        <p:nvSpPr>
           <p:cNvPr id="2" name="Otsikko 1"/>
           <p:cNvSpPr>
             <a:spLocks noGrp="1"/>
@@ -5334,7 +6464,7 @@
 </p:sld>
 </file>
 
-<file path=ppt/slides/slide4.xml><?xml version="1.0" encoding="utf-8"?>
+<file path=ppt/slides/slide5.xml><?xml version="1.0" encoding="utf-8"?>
 <p:sld xmlns:a="http://schemas.openxmlformats.org/drawingml/2006/main" xmlns:r="http://schemas.openxmlformats.org/officeDocument/2006/relationships" xmlns:p="http://schemas.openxmlformats.org/presentationml/2006/main">
   <p:cSld>
     <p:spTree>

--- a/Task-2/TIES4560 Task 2.pptx
+++ b/Task-2/TIES4560 Task 2.pptx
@@ -163,6 +163,123 @@
 </p:presentation>
 </file>
 
+<file path=ppt/changesInfos/changesInfo1.xml><?xml version="1.0" encoding="utf-8"?>
+<pc:chgInfo xmlns:a="http://schemas.openxmlformats.org/drawingml/2006/main" xmlns:r="http://schemas.openxmlformats.org/officeDocument/2006/relationships" xmlns:ac="http://schemas.microsoft.com/office/drawing/2013/main/command" xmlns:pc="http://schemas.microsoft.com/office/powerpoint/2013/main/command">
+  <pc:docChgLst>
+    <pc:chgData name="Rami Pasanen" userId="312aadca14e9d211" providerId="Windows Live" clId="Web-{FF55FC64-9F92-4685-BF27-5D21B3767242}"/>
+    <pc:docChg chg="modSld">
+      <pc:chgData name="Rami Pasanen" userId="312aadca14e9d211" providerId="Windows Live" clId="Web-{FF55FC64-9F92-4685-BF27-5D21B3767242}" dt="2018-09-20T07:26:02.683" v="92"/>
+      <pc:docMkLst>
+        <pc:docMk/>
+      </pc:docMkLst>
+      <pc:sldChg chg="addSp modSp">
+        <pc:chgData name="Rami Pasanen" userId="312aadca14e9d211" providerId="Windows Live" clId="Web-{FF55FC64-9F92-4685-BF27-5D21B3767242}" dt="2018-09-20T07:26:02.683" v="92"/>
+        <pc:sldMkLst>
+          <pc:docMk/>
+          <pc:sldMk cId="787354707" sldId="259"/>
+        </pc:sldMkLst>
+        <pc:spChg chg="add mod">
+          <ac:chgData name="Rami Pasanen" userId="312aadca14e9d211" providerId="Windows Live" clId="Web-{FF55FC64-9F92-4685-BF27-5D21B3767242}" dt="2018-09-20T07:18:30.065" v="7" actId="14100"/>
+          <ac:spMkLst>
+            <pc:docMk/>
+            <pc:sldMk cId="787354707" sldId="259"/>
+            <ac:spMk id="4" creationId="{0F60DF0A-333A-433C-B3A8-72471F3ACC0B}"/>
+          </ac:spMkLst>
+        </pc:spChg>
+        <pc:spChg chg="add mod">
+          <ac:chgData name="Rami Pasanen" userId="312aadca14e9d211" providerId="Windows Live" clId="Web-{FF55FC64-9F92-4685-BF27-5D21B3767242}" dt="2018-09-20T07:20:14.192" v="23" actId="14100"/>
+          <ac:spMkLst>
+            <pc:docMk/>
+            <pc:sldMk cId="787354707" sldId="259"/>
+            <ac:spMk id="5" creationId="{6D848895-56C8-42E1-9A7C-99F2961197A9}"/>
+          </ac:spMkLst>
+        </pc:spChg>
+        <pc:spChg chg="add mod">
+          <ac:chgData name="Rami Pasanen" userId="312aadca14e9d211" providerId="Windows Live" clId="Web-{FF55FC64-9F92-4685-BF27-5D21B3767242}" dt="2018-09-20T07:20:26.286" v="29" actId="14100"/>
+          <ac:spMkLst>
+            <pc:docMk/>
+            <pc:sldMk cId="787354707" sldId="259"/>
+            <ac:spMk id="6" creationId="{CF712439-5D05-41A8-A726-229627D89EEC}"/>
+          </ac:spMkLst>
+        </pc:spChg>
+        <pc:spChg chg="add mod">
+          <ac:chgData name="Rami Pasanen" userId="312aadca14e9d211" providerId="Windows Live" clId="Web-{FF55FC64-9F92-4685-BF27-5D21B3767242}" dt="2018-09-20T07:21:19.849" v="46" actId="1076"/>
+          <ac:spMkLst>
+            <pc:docMk/>
+            <pc:sldMk cId="787354707" sldId="259"/>
+            <ac:spMk id="7" creationId="{2F5516C8-39B4-4BE8-958B-7A0D20DEFCCF}"/>
+          </ac:spMkLst>
+        </pc:spChg>
+        <pc:spChg chg="add mod">
+          <ac:chgData name="Rami Pasanen" userId="312aadca14e9d211" providerId="Windows Live" clId="Web-{FF55FC64-9F92-4685-BF27-5D21B3767242}" dt="2018-09-20T07:25:07.479" v="76" actId="1076"/>
+          <ac:spMkLst>
+            <pc:docMk/>
+            <pc:sldMk cId="787354707" sldId="259"/>
+            <ac:spMk id="12" creationId="{544041C6-6199-4881-9AAD-751B378C124D}"/>
+          </ac:spMkLst>
+        </pc:spChg>
+        <pc:spChg chg="add mod">
+          <ac:chgData name="Rami Pasanen" userId="312aadca14e9d211" providerId="Windows Live" clId="Web-{FF55FC64-9F92-4685-BF27-5D21B3767242}" dt="2018-09-20T07:25:34.542" v="81" actId="20577"/>
+          <ac:spMkLst>
+            <pc:docMk/>
+            <pc:sldMk cId="787354707" sldId="259"/>
+            <ac:spMk id="13" creationId="{FC049080-6BC2-4B89-BD37-AEFE4FFDA8C0}"/>
+          </ac:spMkLst>
+        </pc:spChg>
+        <pc:spChg chg="add mod">
+          <ac:chgData name="Rami Pasanen" userId="312aadca14e9d211" providerId="Windows Live" clId="Web-{FF55FC64-9F92-4685-BF27-5D21B3767242}" dt="2018-09-20T07:25:58.808" v="91" actId="1076"/>
+          <ac:spMkLst>
+            <pc:docMk/>
+            <pc:sldMk cId="787354707" sldId="259"/>
+            <ac:spMk id="14" creationId="{47103882-D100-45E5-8BB9-9E8AC5464710}"/>
+          </ac:spMkLst>
+        </pc:spChg>
+        <pc:spChg chg="add">
+          <ac:chgData name="Rami Pasanen" userId="312aadca14e9d211" providerId="Windows Live" clId="Web-{FF55FC64-9F92-4685-BF27-5D21B3767242}" dt="2018-09-20T07:26:02.683" v="92"/>
+          <ac:spMkLst>
+            <pc:docMk/>
+            <pc:sldMk cId="787354707" sldId="259"/>
+            <ac:spMk id="15" creationId="{60567619-4AB1-4446-9BFC-D2930DB56F85}"/>
+          </ac:spMkLst>
+        </pc:spChg>
+        <pc:cxnChg chg="add mod">
+          <ac:chgData name="Rami Pasanen" userId="312aadca14e9d211" providerId="Windows Live" clId="Web-{FF55FC64-9F92-4685-BF27-5D21B3767242}" dt="2018-09-20T07:23:15.273" v="62"/>
+          <ac:cxnSpMkLst>
+            <pc:docMk/>
+            <pc:sldMk cId="787354707" sldId="259"/>
+            <ac:cxnSpMk id="8" creationId="{F1043DD1-D9F7-463C-B1B0-A4C72040168C}"/>
+          </ac:cxnSpMkLst>
+        </pc:cxnChg>
+        <pc:cxnChg chg="add mod">
+          <ac:chgData name="Rami Pasanen" userId="312aadca14e9d211" providerId="Windows Live" clId="Web-{FF55FC64-9F92-4685-BF27-5D21B3767242}" dt="2018-09-20T07:23:54.462" v="68" actId="14100"/>
+          <ac:cxnSpMkLst>
+            <pc:docMk/>
+            <pc:sldMk cId="787354707" sldId="259"/>
+            <ac:cxnSpMk id="9" creationId="{8C309630-E772-4A57-9BCF-74332973856D}"/>
+          </ac:cxnSpMkLst>
+        </pc:cxnChg>
+        <pc:cxnChg chg="add mod">
+          <ac:chgData name="Rami Pasanen" userId="312aadca14e9d211" providerId="Windows Live" clId="Web-{FF55FC64-9F92-4685-BF27-5D21B3767242}" dt="2018-09-20T07:23:42.930" v="67" actId="14100"/>
+          <ac:cxnSpMkLst>
+            <pc:docMk/>
+            <pc:sldMk cId="787354707" sldId="259"/>
+            <ac:cxnSpMk id="10" creationId="{89736132-3347-4047-A0CB-97B2FA3194E6}"/>
+          </ac:cxnSpMkLst>
+        </pc:cxnChg>
+        <pc:cxnChg chg="add mod">
+          <ac:chgData name="Rami Pasanen" userId="312aadca14e9d211" providerId="Windows Live" clId="Web-{FF55FC64-9F92-4685-BF27-5D21B3767242}" dt="2018-09-20T07:23:26.899" v="66" actId="14100"/>
+          <ac:cxnSpMkLst>
+            <pc:docMk/>
+            <pc:sldMk cId="787354707" sldId="259"/>
+            <ac:cxnSpMk id="11" creationId="{68F3F351-CCBA-42D0-8C80-E19C1E9ED7A9}"/>
+          </ac:cxnSpMkLst>
+        </pc:cxnChg>
+      </pc:sldChg>
+    </pc:docChg>
+  </pc:docChgLst>
+</pc:chgInfo>
+</file>
+
 <file path=ppt/handoutMasters/handoutMaster1.xml><?xml version="1.0" encoding="utf-8"?>
 <p:handoutMaster xmlns:a="http://schemas.openxmlformats.org/drawingml/2006/main" xmlns:r="http://schemas.openxmlformats.org/officeDocument/2006/relationships" xmlns:p="http://schemas.openxmlformats.org/presentationml/2006/main">
   <p:cSld>
@@ -247,7 +364,7 @@
             <a:pPr rtl="0"/>
             <a:fld id="{742F5470-9300-4F01-BAE4-EC85CF7D996E}" type="datetime1">
               <a:rPr lang="fi-FI" smtClean="0"/>
-              <a:t>19.9.2018</a:t>
+              <a:t>20.9.2018</a:t>
             </a:fld>
             <a:endParaRPr lang="fi-FI" dirty="0"/>
           </a:p>
@@ -417,7 +534,7 @@
             <a:pPr rtl="0"/>
             <a:fld id="{BD7AAC5D-D132-405C-B1C3-7E7300BBD672}" type="datetime1">
               <a:rPr lang="fi-FI" noProof="0" smtClean="0"/>
-              <a:t>19.9.2018</a:t>
+              <a:t>20.9.2018</a:t>
             </a:fld>
             <a:endParaRPr lang="fi-FI" noProof="0" dirty="0"/>
           </a:p>
@@ -1103,7 +1220,7 @@
             <a:pPr rtl="0"/>
             <a:fld id="{2AD6E8FD-F7D7-41B4-8999-F346B70E2546}" type="datetime1">
               <a:rPr lang="fi-FI" noProof="0" smtClean="0"/>
-              <a:t>19.9.2018</a:t>
+              <a:t>20.9.2018</a:t>
             </a:fld>
             <a:endParaRPr lang="fi-FI" noProof="0" dirty="0"/>
           </a:p>
@@ -1330,7 +1447,7 @@
             <a:pPr rtl="0"/>
             <a:fld id="{09603DF7-87BD-4AFD-B0D8-FF7DA1FF7693}" type="datetime1">
               <a:rPr lang="fi-FI" noProof="0" smtClean="0"/>
-              <a:t>19.9.2018</a:t>
+              <a:t>20.9.2018</a:t>
             </a:fld>
             <a:endParaRPr lang="fi-FI" noProof="0" dirty="0"/>
           </a:p>
@@ -1594,7 +1711,7 @@
             <a:pPr rtl="0"/>
             <a:fld id="{09603DF7-87BD-4AFD-B0D8-FF7DA1FF7693}" type="datetime1">
               <a:rPr lang="fi-FI" noProof="0" smtClean="0"/>
-              <a:t>19.9.2018</a:t>
+              <a:t>20.9.2018</a:t>
             </a:fld>
             <a:endParaRPr lang="fi-FI" noProof="0" dirty="0"/>
           </a:p>
@@ -1776,7 +1893,7 @@
             <a:pPr rtl="0"/>
             <a:fld id="{36ECB4F8-557B-43CB-ACA7-6C92F8E4E511}" type="datetime1">
               <a:rPr lang="fi-FI" noProof="0" smtClean="0"/>
-              <a:t>19.9.2018</a:t>
+              <a:t>20.9.2018</a:t>
             </a:fld>
             <a:endParaRPr lang="fi-FI" noProof="0" dirty="0"/>
           </a:p>
@@ -2138,7 +2255,7 @@
             <a:pPr rtl="0"/>
             <a:fld id="{09603DF7-87BD-4AFD-B0D8-FF7DA1FF7693}" type="datetime1">
               <a:rPr lang="fi-FI" noProof="0" smtClean="0"/>
-              <a:t>19.9.2018</a:t>
+              <a:t>20.9.2018</a:t>
             </a:fld>
             <a:endParaRPr lang="fi-FI" noProof="0" dirty="0"/>
           </a:p>
@@ -2421,7 +2538,7 @@
             <a:pPr rtl="0"/>
             <a:fld id="{3A6F87A2-C6E6-483E-8C00-4E1495CB4C6E}" type="datetime1">
               <a:rPr lang="fi-FI" noProof="0" smtClean="0"/>
-              <a:t>19.9.2018</a:t>
+              <a:t>20.9.2018</a:t>
             </a:fld>
             <a:endParaRPr lang="fi-FI" noProof="0" dirty="0"/>
           </a:p>
@@ -2835,7 +2952,7 @@
             <a:pPr rtl="0"/>
             <a:fld id="{C52CDCD2-0EBA-4DFC-88B9-04B2757FE872}" type="datetime1">
               <a:rPr lang="fi-FI" noProof="0" smtClean="0"/>
-              <a:t>19.9.2018</a:t>
+              <a:t>20.9.2018</a:t>
             </a:fld>
             <a:endParaRPr lang="fi-FI" noProof="0" dirty="0"/>
           </a:p>
@@ -2972,7 +3089,7 @@
             <a:pPr rtl="0"/>
             <a:fld id="{89281AC1-AAB7-4E6C-971E-4E33DDF198C1}" type="datetime1">
               <a:rPr lang="fi-FI" noProof="0" smtClean="0"/>
-              <a:t>19.9.2018</a:t>
+              <a:t>20.9.2018</a:t>
             </a:fld>
             <a:endParaRPr lang="fi-FI" noProof="0" dirty="0"/>
           </a:p>
@@ -3162,7 +3279,7 @@
             <a:pPr rtl="0"/>
             <a:fld id="{CD91315A-3B04-4B60-B9D9-94D874790851}" type="datetime1">
               <a:rPr lang="fi-FI" noProof="0" smtClean="0"/>
-              <a:t>19.9.2018</a:t>
+              <a:t>20.9.2018</a:t>
             </a:fld>
             <a:endParaRPr lang="fi-FI" noProof="0" dirty="0"/>
           </a:p>
@@ -3535,7 +3652,7 @@
             <a:pPr rtl="0"/>
             <a:fld id="{177B2761-9052-47E7-A879-08FC02F16AE2}" type="datetime1">
               <a:rPr lang="fi-FI" noProof="0" smtClean="0"/>
-              <a:t>19.9.2018</a:t>
+              <a:t>20.9.2018</a:t>
             </a:fld>
             <a:endParaRPr lang="fi-FI" noProof="0" dirty="0"/>
           </a:p>
@@ -3936,7 +4053,7 @@
             <a:pPr rtl="0"/>
             <a:fld id="{09603DF7-87BD-4AFD-B0D8-FF7DA1FF7693}" type="datetime1">
               <a:rPr lang="fi-FI" noProof="0" smtClean="0"/>
-              <a:t>19.9.2018</a:t>
+              <a:t>20.9.2018</a:t>
             </a:fld>
             <a:endParaRPr lang="fi-FI" noProof="0" dirty="0"/>
           </a:p>
@@ -4231,7 +4348,7 @@
             <a:pPr rtl="0"/>
             <a:fld id="{09603DF7-87BD-4AFD-B0D8-FF7DA1FF7693}" type="datetime1">
               <a:rPr lang="fi-FI" noProof="0" smtClean="0"/>
-              <a:t>19.9.2018</a:t>
+              <a:t>20.9.2018</a:t>
             </a:fld>
             <a:endParaRPr lang="fi-FI" noProof="0" dirty="0"/>
           </a:p>
@@ -5418,6 +5535,572 @@
               <a:buNone/>
             </a:pPr>
             <a:endParaRPr lang="fi-FI" dirty="0"/>
+          </a:p>
+        </p:txBody>
+      </p:sp>
+      <p:sp>
+        <p:nvSpPr>
+          <p:cNvPr id="4" name="Rectangle: Rounded Corners 3">
+            <a:extLst>
+              <a:ext uri="{FF2B5EF4-FFF2-40B4-BE49-F238E27FC236}">
+                <a16:creationId xmlns:a16="http://schemas.microsoft.com/office/drawing/2014/main" id="{0F60DF0A-333A-433C-B3A8-72471F3ACC0B}"/>
+              </a:ext>
+            </a:extLst>
+          </p:cNvPr>
+          <p:cNvSpPr/>
+          <p:nvPr/>
+        </p:nvSpPr>
+        <p:spPr>
+          <a:xfrm>
+            <a:off x="1052423" y="4862423"/>
+            <a:ext cx="900023" cy="799381"/>
+          </a:xfrm>
+          <a:prstGeom prst="roundRect">
+            <a:avLst/>
+          </a:prstGeom>
+        </p:spPr>
+        <p:style>
+          <a:lnRef idx="2">
+            <a:schemeClr val="accent1">
+              <a:shade val="50000"/>
+            </a:schemeClr>
+          </a:lnRef>
+          <a:fillRef idx="1">
+            <a:schemeClr val="accent1"/>
+          </a:fillRef>
+          <a:effectRef idx="0">
+            <a:schemeClr val="accent1"/>
+          </a:effectRef>
+          <a:fontRef idx="minor">
+            <a:schemeClr val="lt1"/>
+          </a:fontRef>
+        </p:style>
+        <p:txBody>
+          <a:bodyPr rtlCol="0" anchor="ctr"/>
+          <a:lstStyle/>
+          <a:p>
+            <a:pPr algn="ctr"/>
+            <a:r>
+              <a:rPr lang="en-US" dirty="0">
+                <a:cs typeface="Calibri"/>
+              </a:rPr>
+              <a:t>User</a:t>
+            </a:r>
+            <a:endParaRPr lang="en-US" dirty="0"/>
+          </a:p>
+        </p:txBody>
+      </p:sp>
+      <p:sp>
+        <p:nvSpPr>
+          <p:cNvPr id="5" name="Rectangle: Rounded Corners 4">
+            <a:extLst>
+              <a:ext uri="{FF2B5EF4-FFF2-40B4-BE49-F238E27FC236}">
+                <a16:creationId xmlns:a16="http://schemas.microsoft.com/office/drawing/2014/main" id="{6D848895-56C8-42E1-9A7C-99F2961197A9}"/>
+              </a:ext>
+            </a:extLst>
+          </p:cNvPr>
+          <p:cNvSpPr/>
+          <p:nvPr/>
+        </p:nvSpPr>
+        <p:spPr>
+          <a:xfrm>
+            <a:off x="4086045" y="4459856"/>
+            <a:ext cx="2596550" cy="1561380"/>
+          </a:xfrm>
+          <a:prstGeom prst="roundRect">
+            <a:avLst/>
+          </a:prstGeom>
+          <a:noFill/>
+        </p:spPr>
+        <p:style>
+          <a:lnRef idx="2">
+            <a:schemeClr val="accent1">
+              <a:shade val="50000"/>
+            </a:schemeClr>
+          </a:lnRef>
+          <a:fillRef idx="1">
+            <a:schemeClr val="accent1"/>
+          </a:fillRef>
+          <a:effectRef idx="0">
+            <a:schemeClr val="accent1"/>
+          </a:effectRef>
+          <a:fontRef idx="minor">
+            <a:schemeClr val="lt1"/>
+          </a:fontRef>
+        </p:style>
+        <p:txBody>
+          <a:bodyPr rot="0" spcFirstLastPara="0" vertOverflow="overflow" horzOverflow="overflow" vert="horz" wrap="square" lIns="91440" tIns="45720" rIns="91440" bIns="45720" numCol="1" spcCol="0" rtlCol="0" fromWordArt="0" anchor="t" anchorCtr="0" forceAA="0" compatLnSpc="1">
+            <a:prstTxWarp prst="textNoShape">
+              <a:avLst/>
+            </a:prstTxWarp>
+            <a:noAutofit/>
+          </a:bodyPr>
+          <a:lstStyle/>
+          <a:p>
+            <a:pPr algn="ctr"/>
+            <a:r>
+              <a:rPr lang="en-US" dirty="0">
+                <a:solidFill>
+                  <a:srgbClr val="FF0000"/>
+                </a:solidFill>
+                <a:cs typeface="Calibri"/>
+              </a:rPr>
+              <a:t>Jetty Web Server</a:t>
+            </a:r>
+            <a:endParaRPr lang="en-US" dirty="0">
+              <a:solidFill>
+                <a:srgbClr val="FF0000"/>
+              </a:solidFill>
+              <a:highlight>
+                <a:srgbClr val="00FF00"/>
+              </a:highlight>
+            </a:endParaRPr>
+          </a:p>
+        </p:txBody>
+      </p:sp>
+      <p:sp>
+        <p:nvSpPr>
+          <p:cNvPr id="6" name="Rectangle: Rounded Corners 5">
+            <a:extLst>
+              <a:ext uri="{FF2B5EF4-FFF2-40B4-BE49-F238E27FC236}">
+                <a16:creationId xmlns:a16="http://schemas.microsoft.com/office/drawing/2014/main" id="{CF712439-5D05-41A8-A726-229627D89EEC}"/>
+              </a:ext>
+            </a:extLst>
+          </p:cNvPr>
+          <p:cNvSpPr/>
+          <p:nvPr/>
+        </p:nvSpPr>
+        <p:spPr>
+          <a:xfrm>
+            <a:off x="4416723" y="4948686"/>
+            <a:ext cx="1863306" cy="914400"/>
+          </a:xfrm>
+          <a:prstGeom prst="roundRect">
+            <a:avLst/>
+          </a:prstGeom>
+        </p:spPr>
+        <p:style>
+          <a:lnRef idx="2">
+            <a:schemeClr val="accent1">
+              <a:shade val="50000"/>
+            </a:schemeClr>
+          </a:lnRef>
+          <a:fillRef idx="1">
+            <a:schemeClr val="accent1"/>
+          </a:fillRef>
+          <a:effectRef idx="0">
+            <a:schemeClr val="accent1"/>
+          </a:effectRef>
+          <a:fontRef idx="minor">
+            <a:schemeClr val="lt1"/>
+          </a:fontRef>
+        </p:style>
+        <p:txBody>
+          <a:bodyPr rtlCol="0" anchor="ctr"/>
+          <a:lstStyle/>
+          <a:p>
+            <a:pPr algn="ctr"/>
+            <a:r>
+              <a:rPr lang="en-US" dirty="0">
+                <a:cs typeface="Calibri"/>
+              </a:rPr>
+              <a:t>Servlet</a:t>
+            </a:r>
+            <a:endParaRPr lang="en-US" dirty="0"/>
+          </a:p>
+        </p:txBody>
+      </p:sp>
+      <p:sp>
+        <p:nvSpPr>
+          <p:cNvPr id="7" name="Rectangle: Rounded Corners 6">
+            <a:extLst>
+              <a:ext uri="{FF2B5EF4-FFF2-40B4-BE49-F238E27FC236}">
+                <a16:creationId xmlns:a16="http://schemas.microsoft.com/office/drawing/2014/main" id="{2F5516C8-39B4-4BE8-958B-7A0D20DEFCCF}"/>
+              </a:ext>
+            </a:extLst>
+          </p:cNvPr>
+          <p:cNvSpPr/>
+          <p:nvPr/>
+        </p:nvSpPr>
+        <p:spPr>
+          <a:xfrm>
+            <a:off x="8212347" y="4459857"/>
+            <a:ext cx="2352135" cy="1561380"/>
+          </a:xfrm>
+          <a:prstGeom prst="roundRect">
+            <a:avLst/>
+          </a:prstGeom>
+          <a:solidFill>
+            <a:schemeClr val="bg2">
+              <a:lumMod val="75000"/>
+            </a:schemeClr>
+          </a:solidFill>
+        </p:spPr>
+        <p:style>
+          <a:lnRef idx="2">
+            <a:schemeClr val="accent1">
+              <a:shade val="50000"/>
+            </a:schemeClr>
+          </a:lnRef>
+          <a:fillRef idx="1">
+            <a:schemeClr val="accent1"/>
+          </a:fillRef>
+          <a:effectRef idx="0">
+            <a:schemeClr val="accent1"/>
+          </a:effectRef>
+          <a:fontRef idx="minor">
+            <a:schemeClr val="lt1"/>
+          </a:fontRef>
+        </p:style>
+        <p:txBody>
+          <a:bodyPr rtlCol="0" anchor="ctr"/>
+          <a:lstStyle/>
+          <a:p>
+            <a:pPr algn="ctr"/>
+            <a:r>
+              <a:rPr lang="en-US" dirty="0">
+                <a:cs typeface="Calibri"/>
+              </a:rPr>
+              <a:t>Name generator</a:t>
+            </a:r>
+            <a:br>
+              <a:rPr lang="en-US" dirty="0">
+                <a:cs typeface="Calibri"/>
+              </a:rPr>
+            </a:br>
+            <a:r>
+              <a:rPr lang="en-US" dirty="0">
+                <a:cs typeface="Calibri"/>
+              </a:rPr>
+              <a:t>SOAP Web Service</a:t>
+            </a:r>
+            <a:endParaRPr lang="en-US" dirty="0"/>
+          </a:p>
+        </p:txBody>
+      </p:sp>
+      <p:cxnSp>
+        <p:nvCxnSpPr>
+          <p:cNvPr id="8" name="Straight Arrow Connector 7">
+            <a:extLst>
+              <a:ext uri="{FF2B5EF4-FFF2-40B4-BE49-F238E27FC236}">
+                <a16:creationId xmlns:a16="http://schemas.microsoft.com/office/drawing/2014/main" id="{F1043DD1-D9F7-463C-B1B0-A4C72040168C}"/>
+              </a:ext>
+            </a:extLst>
+          </p:cNvPr>
+          <p:cNvCxnSpPr/>
+          <p:nvPr/>
+        </p:nvCxnSpPr>
+        <p:spPr>
+          <a:xfrm flipV="1">
+            <a:off x="1958195" y="5014822"/>
+            <a:ext cx="2122098" cy="5751"/>
+          </a:xfrm>
+          <a:prstGeom prst="straightConnector1">
+            <a:avLst/>
+          </a:prstGeom>
+          <a:ln>
+            <a:solidFill>
+              <a:schemeClr val="tx1"/>
+            </a:solidFill>
+            <a:tailEnd type="triangle"/>
+          </a:ln>
+        </p:spPr>
+        <p:style>
+          <a:lnRef idx="1">
+            <a:schemeClr val="accent1"/>
+          </a:lnRef>
+          <a:fillRef idx="0">
+            <a:schemeClr val="accent1"/>
+          </a:fillRef>
+          <a:effectRef idx="0">
+            <a:schemeClr val="accent1"/>
+          </a:effectRef>
+          <a:fontRef idx="minor">
+            <a:schemeClr val="tx1"/>
+          </a:fontRef>
+        </p:style>
+      </p:cxnSp>
+      <p:cxnSp>
+        <p:nvCxnSpPr>
+          <p:cNvPr id="9" name="Straight Arrow Connector 8">
+            <a:extLst>
+              <a:ext uri="{FF2B5EF4-FFF2-40B4-BE49-F238E27FC236}">
+                <a16:creationId xmlns:a16="http://schemas.microsoft.com/office/drawing/2014/main" id="{8C309630-E772-4A57-9BCF-74332973856D}"/>
+              </a:ext>
+            </a:extLst>
+          </p:cNvPr>
+          <p:cNvCxnSpPr>
+            <a:cxnSpLocks/>
+          </p:cNvCxnSpPr>
+          <p:nvPr/>
+        </p:nvCxnSpPr>
+        <p:spPr>
+          <a:xfrm>
+            <a:off x="6717099" y="4862422"/>
+            <a:ext cx="1475118" cy="8627"/>
+          </a:xfrm>
+          <a:prstGeom prst="straightConnector1">
+            <a:avLst/>
+          </a:prstGeom>
+          <a:ln>
+            <a:solidFill>
+              <a:schemeClr val="tx1"/>
+            </a:solidFill>
+            <a:tailEnd type="triangle"/>
+          </a:ln>
+        </p:spPr>
+        <p:style>
+          <a:lnRef idx="1">
+            <a:schemeClr val="accent1"/>
+          </a:lnRef>
+          <a:fillRef idx="0">
+            <a:schemeClr val="accent1"/>
+          </a:fillRef>
+          <a:effectRef idx="0">
+            <a:schemeClr val="accent1"/>
+          </a:effectRef>
+          <a:fontRef idx="minor">
+            <a:schemeClr val="tx1"/>
+          </a:fontRef>
+        </p:style>
+      </p:cxnSp>
+      <p:cxnSp>
+        <p:nvCxnSpPr>
+          <p:cNvPr id="10" name="Straight Arrow Connector 9">
+            <a:extLst>
+              <a:ext uri="{FF2B5EF4-FFF2-40B4-BE49-F238E27FC236}">
+                <a16:creationId xmlns:a16="http://schemas.microsoft.com/office/drawing/2014/main" id="{89736132-3347-4047-A0CB-97B2FA3194E6}"/>
+              </a:ext>
+            </a:extLst>
+          </p:cNvPr>
+          <p:cNvCxnSpPr>
+            <a:cxnSpLocks/>
+          </p:cNvCxnSpPr>
+          <p:nvPr/>
+        </p:nvCxnSpPr>
+        <p:spPr>
+          <a:xfrm flipH="1">
+            <a:off x="6711349" y="5480649"/>
+            <a:ext cx="1486620" cy="23003"/>
+          </a:xfrm>
+          <a:prstGeom prst="straightConnector1">
+            <a:avLst/>
+          </a:prstGeom>
+          <a:ln>
+            <a:solidFill>
+              <a:schemeClr val="tx1"/>
+            </a:solidFill>
+            <a:tailEnd type="triangle"/>
+          </a:ln>
+        </p:spPr>
+        <p:style>
+          <a:lnRef idx="1">
+            <a:schemeClr val="accent1"/>
+          </a:lnRef>
+          <a:fillRef idx="0">
+            <a:schemeClr val="accent1"/>
+          </a:fillRef>
+          <a:effectRef idx="0">
+            <a:schemeClr val="accent1"/>
+          </a:effectRef>
+          <a:fontRef idx="minor">
+            <a:schemeClr val="tx1"/>
+          </a:fontRef>
+        </p:style>
+      </p:cxnSp>
+      <p:cxnSp>
+        <p:nvCxnSpPr>
+          <p:cNvPr id="11" name="Straight Arrow Connector 10">
+            <a:extLst>
+              <a:ext uri="{FF2B5EF4-FFF2-40B4-BE49-F238E27FC236}">
+                <a16:creationId xmlns:a16="http://schemas.microsoft.com/office/drawing/2014/main" id="{68F3F351-CCBA-42D0-8C80-E19C1E9ED7A9}"/>
+              </a:ext>
+            </a:extLst>
+          </p:cNvPr>
+          <p:cNvCxnSpPr>
+            <a:cxnSpLocks/>
+          </p:cNvCxnSpPr>
+          <p:nvPr/>
+        </p:nvCxnSpPr>
+        <p:spPr>
+          <a:xfrm flipH="1">
+            <a:off x="1966820" y="5322498"/>
+            <a:ext cx="2104847" cy="8626"/>
+          </a:xfrm>
+          <a:prstGeom prst="straightConnector1">
+            <a:avLst/>
+          </a:prstGeom>
+          <a:ln>
+            <a:solidFill>
+              <a:schemeClr val="tx1"/>
+            </a:solidFill>
+            <a:tailEnd type="triangle"/>
+          </a:ln>
+        </p:spPr>
+        <p:style>
+          <a:lnRef idx="1">
+            <a:schemeClr val="accent1"/>
+          </a:lnRef>
+          <a:fillRef idx="0">
+            <a:schemeClr val="accent1"/>
+          </a:fillRef>
+          <a:effectRef idx="0">
+            <a:schemeClr val="accent1"/>
+          </a:effectRef>
+          <a:fontRef idx="minor">
+            <a:schemeClr val="tx1"/>
+          </a:fontRef>
+        </p:style>
+      </p:cxnSp>
+      <p:sp>
+        <p:nvSpPr>
+          <p:cNvPr id="12" name="TextBox 11">
+            <a:extLst>
+              <a:ext uri="{FF2B5EF4-FFF2-40B4-BE49-F238E27FC236}">
+                <a16:creationId xmlns:a16="http://schemas.microsoft.com/office/drawing/2014/main" id="{544041C6-6199-4881-9AAD-751B378C124D}"/>
+              </a:ext>
+            </a:extLst>
+          </p:cNvPr>
+          <p:cNvSpPr txBox="1"/>
+          <p:nvPr/>
+        </p:nvSpPr>
+        <p:spPr>
+          <a:xfrm>
+            <a:off x="1460739" y="4602192"/>
+            <a:ext cx="2743200" cy="369332"/>
+          </a:xfrm>
+          <a:prstGeom prst="rect">
+            <a:avLst/>
+          </a:prstGeom>
+        </p:spPr>
+        <p:txBody>
+          <a:bodyPr rot="0" spcFirstLastPara="0" vertOverflow="overflow" horzOverflow="overflow" vert="horz" wrap="square" lIns="91440" tIns="45720" rIns="91440" bIns="45720" numCol="1" spcCol="0" rtlCol="0" fromWordArt="0" anchor="t" anchorCtr="0" forceAA="0" compatLnSpc="1">
+            <a:prstTxWarp prst="textNoShape">
+              <a:avLst/>
+            </a:prstTxWarp>
+            <a:spAutoFit/>
+          </a:bodyPr>
+          <a:lstStyle/>
+          <a:p>
+            <a:pPr algn="ctr"/>
+            <a:r>
+              <a:rPr lang="en-US" dirty="0"/>
+              <a:t>request</a:t>
+            </a:r>
+          </a:p>
+        </p:txBody>
+      </p:sp>
+      <p:sp>
+        <p:nvSpPr>
+          <p:cNvPr id="13" name="TextBox 12">
+            <a:extLst>
+              <a:ext uri="{FF2B5EF4-FFF2-40B4-BE49-F238E27FC236}">
+                <a16:creationId xmlns:a16="http://schemas.microsoft.com/office/drawing/2014/main" id="{FC049080-6BC2-4B89-BD37-AEFE4FFDA8C0}"/>
+              </a:ext>
+            </a:extLst>
+          </p:cNvPr>
+          <p:cNvSpPr txBox="1"/>
+          <p:nvPr/>
+        </p:nvSpPr>
+        <p:spPr>
+          <a:xfrm>
+            <a:off x="6090249" y="4458418"/>
+            <a:ext cx="2743200" cy="369332"/>
+          </a:xfrm>
+          <a:prstGeom prst="rect">
+            <a:avLst/>
+          </a:prstGeom>
+        </p:spPr>
+        <p:txBody>
+          <a:bodyPr rot="0" spcFirstLastPara="0" vertOverflow="overflow" horzOverflow="overflow" vert="horz" wrap="square" lIns="91440" tIns="45720" rIns="91440" bIns="45720" numCol="1" spcCol="0" rtlCol="0" fromWordArt="0" anchor="t" anchorCtr="0" forceAA="0" compatLnSpc="1">
+            <a:prstTxWarp prst="textNoShape">
+              <a:avLst/>
+            </a:prstTxWarp>
+            <a:spAutoFit/>
+          </a:bodyPr>
+          <a:lstStyle/>
+          <a:p>
+            <a:pPr algn="ctr"/>
+            <a:r>
+              <a:rPr lang="en-US" dirty="0"/>
+              <a:t>request</a:t>
+            </a:r>
+          </a:p>
+        </p:txBody>
+      </p:sp>
+      <p:sp>
+        <p:nvSpPr>
+          <p:cNvPr id="14" name="TextBox 13">
+            <a:extLst>
+              <a:ext uri="{FF2B5EF4-FFF2-40B4-BE49-F238E27FC236}">
+                <a16:creationId xmlns:a16="http://schemas.microsoft.com/office/drawing/2014/main" id="{47103882-D100-45E5-8BB9-9E8AC5464710}"/>
+              </a:ext>
+            </a:extLst>
+          </p:cNvPr>
+          <p:cNvSpPr txBox="1"/>
+          <p:nvPr/>
+        </p:nvSpPr>
+        <p:spPr>
+          <a:xfrm>
+            <a:off x="1460739" y="5306682"/>
+            <a:ext cx="2743200" cy="369332"/>
+          </a:xfrm>
+          <a:prstGeom prst="rect">
+            <a:avLst/>
+          </a:prstGeom>
+        </p:spPr>
+        <p:txBody>
+          <a:bodyPr rot="0" spcFirstLastPara="0" vertOverflow="overflow" horzOverflow="overflow" vert="horz" wrap="square" lIns="91440" tIns="45720" rIns="91440" bIns="45720" numCol="1" spcCol="0" rtlCol="0" fromWordArt="0" anchor="t" anchorCtr="0" forceAA="0" compatLnSpc="1">
+            <a:prstTxWarp prst="textNoShape">
+              <a:avLst/>
+            </a:prstTxWarp>
+            <a:spAutoFit/>
+          </a:bodyPr>
+          <a:lstStyle/>
+          <a:p>
+            <a:pPr algn="ctr"/>
+            <a:r>
+              <a:rPr lang="en-US" dirty="0"/>
+              <a:t>response</a:t>
+            </a:r>
+          </a:p>
+        </p:txBody>
+      </p:sp>
+      <p:sp>
+        <p:nvSpPr>
+          <p:cNvPr id="15" name="TextBox 14">
+            <a:extLst>
+              <a:ext uri="{FF2B5EF4-FFF2-40B4-BE49-F238E27FC236}">
+                <a16:creationId xmlns:a16="http://schemas.microsoft.com/office/drawing/2014/main" id="{60567619-4AB1-4446-9BFC-D2930DB56F85}"/>
+              </a:ext>
+            </a:extLst>
+          </p:cNvPr>
+          <p:cNvSpPr txBox="1"/>
+          <p:nvPr/>
+        </p:nvSpPr>
+        <p:spPr>
+          <a:xfrm>
+            <a:off x="5860211" y="4343400"/>
+            <a:ext cx="2743200" cy="369332"/>
+          </a:xfrm>
+          <a:prstGeom prst="rect">
+            <a:avLst/>
+          </a:prstGeom>
+        </p:spPr>
+        <p:txBody>
+          <a:bodyPr rot="0" spcFirstLastPara="0" vertOverflow="overflow" horzOverflow="overflow" vert="horz" wrap="square" lIns="91440" tIns="45720" rIns="91440" bIns="45720" numCol="1" spcCol="0" rtlCol="0" fromWordArt="0" anchor="t" anchorCtr="0" forceAA="0" compatLnSpc="1">
+            <a:prstTxWarp prst="textNoShape">
+              <a:avLst/>
+            </a:prstTxWarp>
+            <a:spAutoFit/>
+          </a:bodyPr>
+          <a:lstStyle/>
+          <a:p>
+            <a:pPr algn="ctr"/>
+            <a:r>
+              <a:rPr lang="en-US"/>
+              <a:t>Click to add text</a:t>
+            </a:r>
           </a:p>
         </p:txBody>
       </p:sp>

--- a/Task-2/TIES4560 Task 2.pptx
+++ b/Task-2/TIES4560 Task 2.pptx
@@ -168,12 +168,12 @@
   <pc:docChgLst>
     <pc:chgData name="Rami Pasanen" userId="312aadca14e9d211" providerId="Windows Live" clId="Web-{FF55FC64-9F92-4685-BF27-5D21B3767242}"/>
     <pc:docChg chg="modSld">
-      <pc:chgData name="Rami Pasanen" userId="312aadca14e9d211" providerId="Windows Live" clId="Web-{FF55FC64-9F92-4685-BF27-5D21B3767242}" dt="2018-09-20T07:26:02.683" v="92"/>
+      <pc:chgData name="Rami Pasanen" userId="312aadca14e9d211" providerId="Windows Live" clId="Web-{FF55FC64-9F92-4685-BF27-5D21B3767242}" dt="2018-09-20T07:35:21.490" v="100" actId="20577"/>
       <pc:docMkLst>
         <pc:docMk/>
       </pc:docMkLst>
       <pc:sldChg chg="addSp modSp">
-        <pc:chgData name="Rami Pasanen" userId="312aadca14e9d211" providerId="Windows Live" clId="Web-{FF55FC64-9F92-4685-BF27-5D21B3767242}" dt="2018-09-20T07:26:02.683" v="92"/>
+        <pc:chgData name="Rami Pasanen" userId="312aadca14e9d211" providerId="Windows Live" clId="Web-{FF55FC64-9F92-4685-BF27-5D21B3767242}" dt="2018-09-20T07:35:21.490" v="99" actId="20577"/>
         <pc:sldMkLst>
           <pc:docMk/>
           <pc:sldMk cId="787354707" sldId="259"/>
@@ -234,8 +234,8 @@
             <ac:spMk id="14" creationId="{47103882-D100-45E5-8BB9-9E8AC5464710}"/>
           </ac:spMkLst>
         </pc:spChg>
-        <pc:spChg chg="add">
-          <ac:chgData name="Rami Pasanen" userId="312aadca14e9d211" providerId="Windows Live" clId="Web-{FF55FC64-9F92-4685-BF27-5D21B3767242}" dt="2018-09-20T07:26:02.683" v="92"/>
+        <pc:spChg chg="add mod">
+          <ac:chgData name="Rami Pasanen" userId="312aadca14e9d211" providerId="Windows Live" clId="Web-{FF55FC64-9F92-4685-BF27-5D21B3767242}" dt="2018-09-20T07:35:21.490" v="99" actId="20577"/>
           <ac:spMkLst>
             <pc:docMk/>
             <pc:sldMk cId="787354707" sldId="259"/>
@@ -6080,7 +6080,7 @@
         </p:nvSpPr>
         <p:spPr>
           <a:xfrm>
-            <a:off x="5860211" y="4343400"/>
+            <a:off x="6133381" y="5479211"/>
             <a:ext cx="2743200" cy="369332"/>
           </a:xfrm>
           <a:prstGeom prst="rect">
@@ -6099,8 +6099,9 @@
             <a:pPr algn="ctr"/>
             <a:r>
               <a:rPr lang="en-US"/>
-              <a:t>Click to add text</a:t>
-            </a:r>
+              <a:t>responsea</a:t>
+            </a:r>
+            <a:endParaRPr lang="en-US" dirty="0"/>
           </a:p>
         </p:txBody>
       </p:sp>
